--- a/TXMR5YRProjPres.pptx
+++ b/TXMR5YRProjPres.pptx
@@ -5,7 +5,7 @@
     <p:sldMasterId id="2147483659" r:id="rId1"/>
   </p:sldMasterIdLst>
   <p:notesMasterIdLst>
-    <p:notesMasterId r:id="rId40"/>
+    <p:notesMasterId r:id="rId34"/>
   </p:notesMasterIdLst>
   <p:sldIdLst>
     <p:sldId id="256" r:id="rId2"/>
@@ -29,33 +29,27 @@
     <p:sldId id="276" r:id="rId20"/>
     <p:sldId id="277" r:id="rId21"/>
     <p:sldId id="278" r:id="rId22"/>
-    <p:sldId id="279" r:id="rId23"/>
-    <p:sldId id="280" r:id="rId24"/>
-    <p:sldId id="281" r:id="rId25"/>
-    <p:sldId id="282" r:id="rId26"/>
-    <p:sldId id="283" r:id="rId27"/>
-    <p:sldId id="284" r:id="rId28"/>
-    <p:sldId id="285" r:id="rId29"/>
-    <p:sldId id="286" r:id="rId30"/>
-    <p:sldId id="287" r:id="rId31"/>
-    <p:sldId id="288" r:id="rId32"/>
-    <p:sldId id="289" r:id="rId33"/>
-    <p:sldId id="290" r:id="rId34"/>
-    <p:sldId id="291" r:id="rId35"/>
-    <p:sldId id="292" r:id="rId36"/>
-    <p:sldId id="293" r:id="rId37"/>
-    <p:sldId id="267" r:id="rId38"/>
-    <p:sldId id="268" r:id="rId39"/>
+    <p:sldId id="282" r:id="rId23"/>
+    <p:sldId id="283" r:id="rId24"/>
+    <p:sldId id="287" r:id="rId25"/>
+    <p:sldId id="288" r:id="rId26"/>
+    <p:sldId id="289" r:id="rId27"/>
+    <p:sldId id="290" r:id="rId28"/>
+    <p:sldId id="291" r:id="rId29"/>
+    <p:sldId id="292" r:id="rId30"/>
+    <p:sldId id="293" r:id="rId31"/>
+    <p:sldId id="267" r:id="rId32"/>
+    <p:sldId id="268" r:id="rId33"/>
   </p:sldIdLst>
   <p:sldSz cx="9144000" cy="5143500" type="screen16x9"/>
   <p:notesSz cx="6858000" cy="9144000"/>
   <p:embeddedFontLst>
     <p:embeddedFont>
       <p:font typeface="Proxima Nova" panose="02000506030000020004" pitchFamily="2" charset="0"/>
-      <p:regular r:id="rId41"/>
-      <p:bold r:id="rId42"/>
-      <p:italic r:id="rId43"/>
-      <p:boldItalic r:id="rId44"/>
+      <p:regular r:id="rId35"/>
+      <p:bold r:id="rId36"/>
+      <p:italic r:id="rId37"/>
+      <p:boldItalic r:id="rId38"/>
     </p:embeddedFont>
   </p:embeddedFontLst>
   <p:defaultTextStyle>
@@ -1612,7 +1606,7 @@
         </p:nvSpPr>
         <p:spPr>
           <a:xfrm>
-            <a:off x="381300" y="685800"/>
+            <a:off x="381000" y="685800"/>
             <a:ext cx="6096000" cy="3429000"/>
           </a:xfrm>
           <a:custGeom>
@@ -1716,7 +1710,7 @@
         </p:nvSpPr>
         <p:spPr>
           <a:xfrm>
-            <a:off x="381300" y="685800"/>
+            <a:off x="381000" y="685800"/>
             <a:ext cx="6096000" cy="3429000"/>
           </a:xfrm>
           <a:custGeom>
@@ -2212,7 +2206,7 @@
   <p:cSld>
     <p:spTree>
       <p:nvGrpSpPr>
-        <p:cNvPr id="1" name="Shape 236"/>
+        <p:cNvPr id="1" name="Shape 251"/>
         <p:cNvGrpSpPr/>
         <p:nvPr/>
       </p:nvGrpSpPr>
@@ -2226,7 +2220,7 @@
       </p:grpSpPr>
       <p:sp>
         <p:nvSpPr>
-          <p:cNvPr id="237" name="Google Shape;237;g5e3f480939_0_1146:notes"/>
+          <p:cNvPr id="252" name="Google Shape;252;g5e3f480939_0_1158:notes"/>
           <p:cNvSpPr>
             <a:spLocks noGrp="1" noRot="1" noChangeAspect="1"/>
           </p:cNvSpPr>
@@ -2236,7 +2230,7 @@
         </p:nvSpPr>
         <p:spPr>
           <a:xfrm>
-            <a:off x="381300" y="685800"/>
+            <a:off x="381000" y="685800"/>
             <a:ext cx="6096000" cy="3429000"/>
           </a:xfrm>
           <a:custGeom>
@@ -2267,7 +2261,7 @@
       </p:sp>
       <p:sp>
         <p:nvSpPr>
-          <p:cNvPr id="238" name="Google Shape;238;g5e3f480939_0_1146:notes"/>
+          <p:cNvPr id="253" name="Google Shape;253;g5e3f480939_0_1158:notes"/>
           <p:cNvSpPr txBox="1">
             <a:spLocks noGrp="1"/>
           </p:cNvSpPr>
@@ -2312,318 +2306,6 @@
 </file>
 
 <file path=ppt/notesSlides/notesSlide23.xml><?xml version="1.0" encoding="utf-8"?>
-<p:notes xmlns:a="http://schemas.openxmlformats.org/drawingml/2006/main" xmlns:r="http://schemas.openxmlformats.org/officeDocument/2006/relationships" xmlns:p="http://schemas.openxmlformats.org/presentationml/2006/main" showMasterSp="0" showMasterPhAnim="0">
-  <p:cSld>
-    <p:spTree>
-      <p:nvGrpSpPr>
-        <p:cNvPr id="1" name="Shape 241"/>
-        <p:cNvGrpSpPr/>
-        <p:nvPr/>
-      </p:nvGrpSpPr>
-      <p:grpSpPr>
-        <a:xfrm>
-          <a:off x="0" y="0"/>
-          <a:ext cx="0" cy="0"/>
-          <a:chOff x="0" y="0"/>
-          <a:chExt cx="0" cy="0"/>
-        </a:xfrm>
-      </p:grpSpPr>
-      <p:sp>
-        <p:nvSpPr>
-          <p:cNvPr id="242" name="Google Shape;242;g5e3f480939_0_1151:notes"/>
-          <p:cNvSpPr>
-            <a:spLocks noGrp="1" noRot="1" noChangeAspect="1"/>
-          </p:cNvSpPr>
-          <p:nvPr>
-            <p:ph type="sldImg" idx="2"/>
-          </p:nvPr>
-        </p:nvSpPr>
-        <p:spPr>
-          <a:xfrm>
-            <a:off x="381300" y="685800"/>
-            <a:ext cx="6096000" cy="3429000"/>
-          </a:xfrm>
-          <a:custGeom>
-            <a:avLst/>
-            <a:gdLst/>
-            <a:ahLst/>
-            <a:cxnLst/>
-            <a:rect l="l" t="t" r="r" b="b"/>
-            <a:pathLst>
-              <a:path w="120000" h="120000" extrusionOk="0">
-                <a:moveTo>
-                  <a:pt x="0" y="0"/>
-                </a:moveTo>
-                <a:lnTo>
-                  <a:pt x="120000" y="0"/>
-                </a:lnTo>
-                <a:lnTo>
-                  <a:pt x="120000" y="120000"/>
-                </a:lnTo>
-                <a:lnTo>
-                  <a:pt x="0" y="120000"/>
-                </a:lnTo>
-                <a:close/>
-              </a:path>
-            </a:pathLst>
-          </a:custGeom>
-        </p:spPr>
-      </p:sp>
-      <p:sp>
-        <p:nvSpPr>
-          <p:cNvPr id="243" name="Google Shape;243;g5e3f480939_0_1151:notes"/>
-          <p:cNvSpPr txBox="1">
-            <a:spLocks noGrp="1"/>
-          </p:cNvSpPr>
-          <p:nvPr>
-            <p:ph type="body" idx="1"/>
-          </p:nvPr>
-        </p:nvSpPr>
-        <p:spPr>
-          <a:xfrm>
-            <a:off x="685800" y="4343400"/>
-            <a:ext cx="5486400" cy="4114800"/>
-          </a:xfrm>
-          <a:prstGeom prst="rect">
-            <a:avLst/>
-          </a:prstGeom>
-        </p:spPr>
-        <p:txBody>
-          <a:bodyPr spcFirstLastPara="1" wrap="square" lIns="91425" tIns="91425" rIns="91425" bIns="91425" anchor="t" anchorCtr="0">
-            <a:noAutofit/>
-          </a:bodyPr>
-          <a:lstStyle/>
-          <a:p>
-            <a:pPr marL="0" lvl="0" indent="0" algn="l" rtl="0">
-              <a:spcBef>
-                <a:spcPts val="0"/>
-              </a:spcBef>
-              <a:spcAft>
-                <a:spcPts val="0"/>
-              </a:spcAft>
-              <a:buNone/>
-            </a:pPr>
-            <a:endParaRPr/>
-          </a:p>
-        </p:txBody>
-      </p:sp>
-    </p:spTree>
-  </p:cSld>
-  <p:clrMapOvr>
-    <a:masterClrMapping/>
-  </p:clrMapOvr>
-</p:notes>
-</file>
-
-<file path=ppt/notesSlides/notesSlide24.xml><?xml version="1.0" encoding="utf-8"?>
-<p:notes xmlns:a="http://schemas.openxmlformats.org/drawingml/2006/main" xmlns:r="http://schemas.openxmlformats.org/officeDocument/2006/relationships" xmlns:p="http://schemas.openxmlformats.org/presentationml/2006/main" showMasterSp="0" showMasterPhAnim="0">
-  <p:cSld>
-    <p:spTree>
-      <p:nvGrpSpPr>
-        <p:cNvPr id="1" name="Shape 246"/>
-        <p:cNvGrpSpPr/>
-        <p:nvPr/>
-      </p:nvGrpSpPr>
-      <p:grpSpPr>
-        <a:xfrm>
-          <a:off x="0" y="0"/>
-          <a:ext cx="0" cy="0"/>
-          <a:chOff x="0" y="0"/>
-          <a:chExt cx="0" cy="0"/>
-        </a:xfrm>
-      </p:grpSpPr>
-      <p:sp>
-        <p:nvSpPr>
-          <p:cNvPr id="247" name="Google Shape;247;g5e3f480939_0_1155:notes"/>
-          <p:cNvSpPr>
-            <a:spLocks noGrp="1" noRot="1" noChangeAspect="1"/>
-          </p:cNvSpPr>
-          <p:nvPr>
-            <p:ph type="sldImg" idx="2"/>
-          </p:nvPr>
-        </p:nvSpPr>
-        <p:spPr>
-          <a:xfrm>
-            <a:off x="381300" y="685800"/>
-            <a:ext cx="6096000" cy="3429000"/>
-          </a:xfrm>
-          <a:custGeom>
-            <a:avLst/>
-            <a:gdLst/>
-            <a:ahLst/>
-            <a:cxnLst/>
-            <a:rect l="l" t="t" r="r" b="b"/>
-            <a:pathLst>
-              <a:path w="120000" h="120000" extrusionOk="0">
-                <a:moveTo>
-                  <a:pt x="0" y="0"/>
-                </a:moveTo>
-                <a:lnTo>
-                  <a:pt x="120000" y="0"/>
-                </a:lnTo>
-                <a:lnTo>
-                  <a:pt x="120000" y="120000"/>
-                </a:lnTo>
-                <a:lnTo>
-                  <a:pt x="0" y="120000"/>
-                </a:lnTo>
-                <a:close/>
-              </a:path>
-            </a:pathLst>
-          </a:custGeom>
-        </p:spPr>
-      </p:sp>
-      <p:sp>
-        <p:nvSpPr>
-          <p:cNvPr id="248" name="Google Shape;248;g5e3f480939_0_1155:notes"/>
-          <p:cNvSpPr txBox="1">
-            <a:spLocks noGrp="1"/>
-          </p:cNvSpPr>
-          <p:nvPr>
-            <p:ph type="body" idx="1"/>
-          </p:nvPr>
-        </p:nvSpPr>
-        <p:spPr>
-          <a:xfrm>
-            <a:off x="685800" y="4343400"/>
-            <a:ext cx="5486400" cy="4114800"/>
-          </a:xfrm>
-          <a:prstGeom prst="rect">
-            <a:avLst/>
-          </a:prstGeom>
-        </p:spPr>
-        <p:txBody>
-          <a:bodyPr spcFirstLastPara="1" wrap="square" lIns="91425" tIns="91425" rIns="91425" bIns="91425" anchor="t" anchorCtr="0">
-            <a:noAutofit/>
-          </a:bodyPr>
-          <a:lstStyle/>
-          <a:p>
-            <a:pPr marL="0" lvl="0" indent="0" algn="l" rtl="0">
-              <a:spcBef>
-                <a:spcPts val="0"/>
-              </a:spcBef>
-              <a:spcAft>
-                <a:spcPts val="0"/>
-              </a:spcAft>
-              <a:buNone/>
-            </a:pPr>
-            <a:endParaRPr/>
-          </a:p>
-        </p:txBody>
-      </p:sp>
-    </p:spTree>
-  </p:cSld>
-  <p:clrMapOvr>
-    <a:masterClrMapping/>
-  </p:clrMapOvr>
-</p:notes>
-</file>
-
-<file path=ppt/notesSlides/notesSlide25.xml><?xml version="1.0" encoding="utf-8"?>
-<p:notes xmlns:a="http://schemas.openxmlformats.org/drawingml/2006/main" xmlns:r="http://schemas.openxmlformats.org/officeDocument/2006/relationships" xmlns:p="http://schemas.openxmlformats.org/presentationml/2006/main" showMasterSp="0" showMasterPhAnim="0">
-  <p:cSld>
-    <p:spTree>
-      <p:nvGrpSpPr>
-        <p:cNvPr id="1" name="Shape 251"/>
-        <p:cNvGrpSpPr/>
-        <p:nvPr/>
-      </p:nvGrpSpPr>
-      <p:grpSpPr>
-        <a:xfrm>
-          <a:off x="0" y="0"/>
-          <a:ext cx="0" cy="0"/>
-          <a:chOff x="0" y="0"/>
-          <a:chExt cx="0" cy="0"/>
-        </a:xfrm>
-      </p:grpSpPr>
-      <p:sp>
-        <p:nvSpPr>
-          <p:cNvPr id="252" name="Google Shape;252;g5e3f480939_0_1158:notes"/>
-          <p:cNvSpPr>
-            <a:spLocks noGrp="1" noRot="1" noChangeAspect="1"/>
-          </p:cNvSpPr>
-          <p:nvPr>
-            <p:ph type="sldImg" idx="2"/>
-          </p:nvPr>
-        </p:nvSpPr>
-        <p:spPr>
-          <a:xfrm>
-            <a:off x="381000" y="685800"/>
-            <a:ext cx="6096000" cy="3429000"/>
-          </a:xfrm>
-          <a:custGeom>
-            <a:avLst/>
-            <a:gdLst/>
-            <a:ahLst/>
-            <a:cxnLst/>
-            <a:rect l="l" t="t" r="r" b="b"/>
-            <a:pathLst>
-              <a:path w="120000" h="120000" extrusionOk="0">
-                <a:moveTo>
-                  <a:pt x="0" y="0"/>
-                </a:moveTo>
-                <a:lnTo>
-                  <a:pt x="120000" y="0"/>
-                </a:lnTo>
-                <a:lnTo>
-                  <a:pt x="120000" y="120000"/>
-                </a:lnTo>
-                <a:lnTo>
-                  <a:pt x="0" y="120000"/>
-                </a:lnTo>
-                <a:close/>
-              </a:path>
-            </a:pathLst>
-          </a:custGeom>
-        </p:spPr>
-      </p:sp>
-      <p:sp>
-        <p:nvSpPr>
-          <p:cNvPr id="253" name="Google Shape;253;g5e3f480939_0_1158:notes"/>
-          <p:cNvSpPr txBox="1">
-            <a:spLocks noGrp="1"/>
-          </p:cNvSpPr>
-          <p:nvPr>
-            <p:ph type="body" idx="1"/>
-          </p:nvPr>
-        </p:nvSpPr>
-        <p:spPr>
-          <a:xfrm>
-            <a:off x="685800" y="4343400"/>
-            <a:ext cx="5486400" cy="4114800"/>
-          </a:xfrm>
-          <a:prstGeom prst="rect">
-            <a:avLst/>
-          </a:prstGeom>
-        </p:spPr>
-        <p:txBody>
-          <a:bodyPr spcFirstLastPara="1" wrap="square" lIns="91425" tIns="91425" rIns="91425" bIns="91425" anchor="t" anchorCtr="0">
-            <a:noAutofit/>
-          </a:bodyPr>
-          <a:lstStyle/>
-          <a:p>
-            <a:pPr marL="0" lvl="0" indent="0" algn="l" rtl="0">
-              <a:spcBef>
-                <a:spcPts val="0"/>
-              </a:spcBef>
-              <a:spcAft>
-                <a:spcPts val="0"/>
-              </a:spcAft>
-              <a:buNone/>
-            </a:pPr>
-            <a:endParaRPr/>
-          </a:p>
-        </p:txBody>
-      </p:sp>
-    </p:spTree>
-  </p:cSld>
-  <p:clrMapOvr>
-    <a:masterClrMapping/>
-  </p:clrMapOvr>
-</p:notes>
-</file>
-
-<file path=ppt/notesSlides/notesSlide26.xml><?xml version="1.0" encoding="utf-8"?>
 <p:notes xmlns:a="http://schemas.openxmlformats.org/drawingml/2006/main" xmlns:r="http://schemas.openxmlformats.org/officeDocument/2006/relationships" xmlns:p="http://schemas.openxmlformats.org/presentationml/2006/main" showMasterSp="0" showMasterPhAnim="0">
   <p:cSld>
     <p:spTree>
@@ -2727,12 +2409,12 @@
 </p:notes>
 </file>
 
-<file path=ppt/notesSlides/notesSlide27.xml><?xml version="1.0" encoding="utf-8"?>
+<file path=ppt/notesSlides/notesSlide24.xml><?xml version="1.0" encoding="utf-8"?>
 <p:notes xmlns:a="http://schemas.openxmlformats.org/drawingml/2006/main" xmlns:r="http://schemas.openxmlformats.org/officeDocument/2006/relationships" xmlns:p="http://schemas.openxmlformats.org/presentationml/2006/main" showMasterSp="0" showMasterPhAnim="0">
   <p:cSld>
     <p:spTree>
       <p:nvGrpSpPr>
-        <p:cNvPr id="1" name="Shape 266"/>
+        <p:cNvPr id="1" name="Shape 281"/>
         <p:cNvGrpSpPr/>
         <p:nvPr/>
       </p:nvGrpSpPr>
@@ -2746,7 +2428,7 @@
       </p:grpSpPr>
       <p:sp>
         <p:nvSpPr>
-          <p:cNvPr id="267" name="Google Shape;267;g5e417859eb_0_132:notes"/>
+          <p:cNvPr id="282" name="Google Shape;282;g5e417859eb_0_144:notes"/>
           <p:cNvSpPr>
             <a:spLocks noGrp="1" noRot="1" noChangeAspect="1"/>
           </p:cNvSpPr>
@@ -2787,7 +2469,7 @@
       </p:sp>
       <p:sp>
         <p:nvSpPr>
-          <p:cNvPr id="268" name="Google Shape;268;g5e417859eb_0_132:notes"/>
+          <p:cNvPr id="283" name="Google Shape;283;g5e417859eb_0_144:notes"/>
           <p:cNvSpPr txBox="1">
             <a:spLocks noGrp="1"/>
           </p:cNvSpPr>
@@ -2831,12 +2513,12 @@
 </p:notes>
 </file>
 
-<file path=ppt/notesSlides/notesSlide28.xml><?xml version="1.0" encoding="utf-8"?>
+<file path=ppt/notesSlides/notesSlide25.xml><?xml version="1.0" encoding="utf-8"?>
 <p:notes xmlns:a="http://schemas.openxmlformats.org/drawingml/2006/main" xmlns:r="http://schemas.openxmlformats.org/officeDocument/2006/relationships" xmlns:p="http://schemas.openxmlformats.org/presentationml/2006/main" showMasterSp="0" showMasterPhAnim="0">
   <p:cSld>
     <p:spTree>
       <p:nvGrpSpPr>
-        <p:cNvPr id="1" name="Shape 271"/>
+        <p:cNvPr id="1" name="Shape 286"/>
         <p:cNvGrpSpPr/>
         <p:nvPr/>
       </p:nvGrpSpPr>
@@ -2850,7 +2532,7 @@
       </p:grpSpPr>
       <p:sp>
         <p:nvSpPr>
-          <p:cNvPr id="272" name="Google Shape;272;g5e417859eb_0_136:notes"/>
+          <p:cNvPr id="287" name="Google Shape;287;g5e3f480939_0_192:notes"/>
           <p:cNvSpPr>
             <a:spLocks noGrp="1" noRot="1" noChangeAspect="1"/>
           </p:cNvSpPr>
@@ -2891,7 +2573,7 @@
       </p:sp>
       <p:sp>
         <p:nvSpPr>
-          <p:cNvPr id="273" name="Google Shape;273;g5e417859eb_0_136:notes"/>
+          <p:cNvPr id="288" name="Google Shape;288;g5e3f480939_0_192:notes"/>
           <p:cNvSpPr txBox="1">
             <a:spLocks noGrp="1"/>
           </p:cNvSpPr>
@@ -2935,12 +2617,12 @@
 </p:notes>
 </file>
 
-<file path=ppt/notesSlides/notesSlide29.xml><?xml version="1.0" encoding="utf-8"?>
+<file path=ppt/notesSlides/notesSlide26.xml><?xml version="1.0" encoding="utf-8"?>
 <p:notes xmlns:a="http://schemas.openxmlformats.org/drawingml/2006/main" xmlns:r="http://schemas.openxmlformats.org/officeDocument/2006/relationships" xmlns:p="http://schemas.openxmlformats.org/presentationml/2006/main" showMasterSp="0" showMasterPhAnim="0">
   <p:cSld>
     <p:spTree>
       <p:nvGrpSpPr>
-        <p:cNvPr id="1" name="Shape 276"/>
+        <p:cNvPr id="1" name="Shape 295"/>
         <p:cNvGrpSpPr/>
         <p:nvPr/>
       </p:nvGrpSpPr>
@@ -2954,7 +2636,7 @@
       </p:grpSpPr>
       <p:sp>
         <p:nvSpPr>
-          <p:cNvPr id="277" name="Google Shape;277;g5e417859eb_0_140:notes"/>
+          <p:cNvPr id="296" name="Google Shape;296;g5e417859eb_0_120:notes"/>
           <p:cNvSpPr>
             <a:spLocks noGrp="1" noRot="1" noChangeAspect="1"/>
           </p:cNvSpPr>
@@ -2995,7 +2677,355 @@
       </p:sp>
       <p:sp>
         <p:nvSpPr>
-          <p:cNvPr id="278" name="Google Shape;278;g5e417859eb_0_140:notes"/>
+          <p:cNvPr id="297" name="Google Shape;297;g5e417859eb_0_120:notes"/>
+          <p:cNvSpPr txBox="1">
+            <a:spLocks noGrp="1"/>
+          </p:cNvSpPr>
+          <p:nvPr>
+            <p:ph type="body" idx="1"/>
+          </p:nvPr>
+        </p:nvSpPr>
+        <p:spPr>
+          <a:xfrm>
+            <a:off x="685800" y="4343400"/>
+            <a:ext cx="5486400" cy="4114800"/>
+          </a:xfrm>
+          <a:prstGeom prst="rect">
+            <a:avLst/>
+          </a:prstGeom>
+        </p:spPr>
+        <p:txBody>
+          <a:bodyPr spcFirstLastPara="1" wrap="square" lIns="91425" tIns="91425" rIns="91425" bIns="91425" anchor="t" anchorCtr="0">
+            <a:noAutofit/>
+          </a:bodyPr>
+          <a:lstStyle/>
+          <a:p>
+            <a:pPr marL="0" lvl="0" indent="0" algn="l" rtl="0">
+              <a:spcBef>
+                <a:spcPts val="0"/>
+              </a:spcBef>
+              <a:spcAft>
+                <a:spcPts val="0"/>
+              </a:spcAft>
+              <a:buNone/>
+            </a:pPr>
+            <a:endParaRPr/>
+          </a:p>
+        </p:txBody>
+      </p:sp>
+    </p:spTree>
+  </p:cSld>
+  <p:clrMapOvr>
+    <a:masterClrMapping/>
+  </p:clrMapOvr>
+</p:notes>
+</file>
+
+<file path=ppt/notesSlides/notesSlide27.xml><?xml version="1.0" encoding="utf-8"?>
+<p:notes xmlns:a="http://schemas.openxmlformats.org/drawingml/2006/main" xmlns:r="http://schemas.openxmlformats.org/officeDocument/2006/relationships" xmlns:p="http://schemas.openxmlformats.org/presentationml/2006/main" showMasterSp="0" showMasterPhAnim="0">
+  <p:cSld>
+    <p:spTree>
+      <p:nvGrpSpPr>
+        <p:cNvPr id="1" name="Shape 301"/>
+        <p:cNvGrpSpPr/>
+        <p:nvPr/>
+      </p:nvGrpSpPr>
+      <p:grpSpPr>
+        <a:xfrm>
+          <a:off x="0" y="0"/>
+          <a:ext cx="0" cy="0"/>
+          <a:chOff x="0" y="0"/>
+          <a:chExt cx="0" cy="0"/>
+        </a:xfrm>
+      </p:grpSpPr>
+      <p:sp>
+        <p:nvSpPr>
+          <p:cNvPr id="302" name="Google Shape;302;g5e3f480939_0_1107:notes"/>
+          <p:cNvSpPr>
+            <a:spLocks noGrp="1" noRot="1" noChangeAspect="1"/>
+          </p:cNvSpPr>
+          <p:nvPr>
+            <p:ph type="sldImg" idx="2"/>
+          </p:nvPr>
+        </p:nvSpPr>
+        <p:spPr>
+          <a:xfrm>
+            <a:off x="381300" y="685800"/>
+            <a:ext cx="6096000" cy="3429000"/>
+          </a:xfrm>
+          <a:custGeom>
+            <a:avLst/>
+            <a:gdLst/>
+            <a:ahLst/>
+            <a:cxnLst/>
+            <a:rect l="l" t="t" r="r" b="b"/>
+            <a:pathLst>
+              <a:path w="120000" h="120000" extrusionOk="0">
+                <a:moveTo>
+                  <a:pt x="0" y="0"/>
+                </a:moveTo>
+                <a:lnTo>
+                  <a:pt x="120000" y="0"/>
+                </a:lnTo>
+                <a:lnTo>
+                  <a:pt x="120000" y="120000"/>
+                </a:lnTo>
+                <a:lnTo>
+                  <a:pt x="0" y="120000"/>
+                </a:lnTo>
+                <a:close/>
+              </a:path>
+            </a:pathLst>
+          </a:custGeom>
+        </p:spPr>
+      </p:sp>
+      <p:sp>
+        <p:nvSpPr>
+          <p:cNvPr id="303" name="Google Shape;303;g5e3f480939_0_1107:notes"/>
+          <p:cNvSpPr txBox="1">
+            <a:spLocks noGrp="1"/>
+          </p:cNvSpPr>
+          <p:nvPr>
+            <p:ph type="body" idx="1"/>
+          </p:nvPr>
+        </p:nvSpPr>
+        <p:spPr>
+          <a:xfrm>
+            <a:off x="685800" y="4343400"/>
+            <a:ext cx="5486400" cy="4114800"/>
+          </a:xfrm>
+          <a:prstGeom prst="rect">
+            <a:avLst/>
+          </a:prstGeom>
+        </p:spPr>
+        <p:txBody>
+          <a:bodyPr spcFirstLastPara="1" wrap="square" lIns="91425" tIns="91425" rIns="91425" bIns="91425" anchor="t" anchorCtr="0">
+            <a:noAutofit/>
+          </a:bodyPr>
+          <a:lstStyle/>
+          <a:p>
+            <a:pPr marL="0" lvl="0" indent="0" algn="l" rtl="0">
+              <a:spcBef>
+                <a:spcPts val="0"/>
+              </a:spcBef>
+              <a:spcAft>
+                <a:spcPts val="0"/>
+              </a:spcAft>
+              <a:buNone/>
+            </a:pPr>
+            <a:r>
+              <a:rPr lang="en"/>
+              <a:t>In 2018, TX Alcohol Tax Revenue was $1.3 Billion</a:t>
+            </a:r>
+            <a:endParaRPr/>
+          </a:p>
+          <a:p>
+            <a:pPr marL="0" lvl="0" indent="0" algn="l" rtl="0">
+              <a:spcBef>
+                <a:spcPts val="0"/>
+              </a:spcBef>
+              <a:spcAft>
+                <a:spcPts val="0"/>
+              </a:spcAft>
+              <a:buNone/>
+            </a:pPr>
+            <a:r>
+              <a:rPr lang="en"/>
+              <a:t>For this 5YR projection summed, TX can generate between:</a:t>
+            </a:r>
+            <a:endParaRPr/>
+          </a:p>
+          <a:p>
+            <a:pPr marL="0" lvl="0" indent="0" algn="l" rtl="0">
+              <a:spcBef>
+                <a:spcPts val="0"/>
+              </a:spcBef>
+              <a:spcAft>
+                <a:spcPts val="0"/>
+              </a:spcAft>
+              <a:buNone/>
+            </a:pPr>
+            <a:r>
+              <a:rPr lang="en"/>
+              <a:t> $4-6 Billion in Total Tax Fees Revenue</a:t>
+            </a:r>
+            <a:endParaRPr/>
+          </a:p>
+        </p:txBody>
+      </p:sp>
+    </p:spTree>
+  </p:cSld>
+  <p:clrMapOvr>
+    <a:masterClrMapping/>
+  </p:clrMapOvr>
+</p:notes>
+</file>
+
+<file path=ppt/notesSlides/notesSlide28.xml><?xml version="1.0" encoding="utf-8"?>
+<p:notes xmlns:a="http://schemas.openxmlformats.org/drawingml/2006/main" xmlns:r="http://schemas.openxmlformats.org/officeDocument/2006/relationships" xmlns:p="http://schemas.openxmlformats.org/presentationml/2006/main" showMasterSp="0" showMasterPhAnim="0">
+  <p:cSld>
+    <p:spTree>
+      <p:nvGrpSpPr>
+        <p:cNvPr id="1" name="Shape 309"/>
+        <p:cNvGrpSpPr/>
+        <p:nvPr/>
+      </p:nvGrpSpPr>
+      <p:grpSpPr>
+        <a:xfrm>
+          <a:off x="0" y="0"/>
+          <a:ext cx="0" cy="0"/>
+          <a:chOff x="0" y="0"/>
+          <a:chExt cx="0" cy="0"/>
+        </a:xfrm>
+      </p:grpSpPr>
+      <p:sp>
+        <p:nvSpPr>
+          <p:cNvPr id="310" name="Google Shape;310;g5e3f480939_0_201:notes"/>
+          <p:cNvSpPr>
+            <a:spLocks noGrp="1" noRot="1" noChangeAspect="1"/>
+          </p:cNvSpPr>
+          <p:nvPr>
+            <p:ph type="sldImg" idx="2"/>
+          </p:nvPr>
+        </p:nvSpPr>
+        <p:spPr>
+          <a:xfrm>
+            <a:off x="381300" y="685800"/>
+            <a:ext cx="6096000" cy="3429000"/>
+          </a:xfrm>
+          <a:custGeom>
+            <a:avLst/>
+            <a:gdLst/>
+            <a:ahLst/>
+            <a:cxnLst/>
+            <a:rect l="l" t="t" r="r" b="b"/>
+            <a:pathLst>
+              <a:path w="120000" h="120000" extrusionOk="0">
+                <a:moveTo>
+                  <a:pt x="0" y="0"/>
+                </a:moveTo>
+                <a:lnTo>
+                  <a:pt x="120000" y="0"/>
+                </a:lnTo>
+                <a:lnTo>
+                  <a:pt x="120000" y="120000"/>
+                </a:lnTo>
+                <a:lnTo>
+                  <a:pt x="0" y="120000"/>
+                </a:lnTo>
+                <a:close/>
+              </a:path>
+            </a:pathLst>
+          </a:custGeom>
+        </p:spPr>
+      </p:sp>
+      <p:sp>
+        <p:nvSpPr>
+          <p:cNvPr id="311" name="Google Shape;311;g5e3f480939_0_201:notes"/>
+          <p:cNvSpPr txBox="1">
+            <a:spLocks noGrp="1"/>
+          </p:cNvSpPr>
+          <p:nvPr>
+            <p:ph type="body" idx="1"/>
+          </p:nvPr>
+        </p:nvSpPr>
+        <p:spPr>
+          <a:xfrm>
+            <a:off x="685800" y="4343400"/>
+            <a:ext cx="5486400" cy="4114800"/>
+          </a:xfrm>
+          <a:prstGeom prst="rect">
+            <a:avLst/>
+          </a:prstGeom>
+        </p:spPr>
+        <p:txBody>
+          <a:bodyPr spcFirstLastPara="1" wrap="square" lIns="91425" tIns="91425" rIns="91425" bIns="91425" anchor="t" anchorCtr="0">
+            <a:noAutofit/>
+          </a:bodyPr>
+          <a:lstStyle/>
+          <a:p>
+            <a:pPr marL="0" lvl="0" indent="0" algn="l" rtl="0">
+              <a:spcBef>
+                <a:spcPts val="0"/>
+              </a:spcBef>
+              <a:spcAft>
+                <a:spcPts val="0"/>
+              </a:spcAft>
+              <a:buNone/>
+            </a:pPr>
+            <a:endParaRPr/>
+          </a:p>
+        </p:txBody>
+      </p:sp>
+    </p:spTree>
+  </p:cSld>
+  <p:clrMapOvr>
+    <a:masterClrMapping/>
+  </p:clrMapOvr>
+</p:notes>
+</file>
+
+<file path=ppt/notesSlides/notesSlide29.xml><?xml version="1.0" encoding="utf-8"?>
+<p:notes xmlns:a="http://schemas.openxmlformats.org/drawingml/2006/main" xmlns:r="http://schemas.openxmlformats.org/officeDocument/2006/relationships" xmlns:p="http://schemas.openxmlformats.org/presentationml/2006/main" showMasterSp="0" showMasterPhAnim="0">
+  <p:cSld>
+    <p:spTree>
+      <p:nvGrpSpPr>
+        <p:cNvPr id="1" name="Shape 317"/>
+        <p:cNvGrpSpPr/>
+        <p:nvPr/>
+      </p:nvGrpSpPr>
+      <p:grpSpPr>
+        <a:xfrm>
+          <a:off x="0" y="0"/>
+          <a:ext cx="0" cy="0"/>
+          <a:chOff x="0" y="0"/>
+          <a:chExt cx="0" cy="0"/>
+        </a:xfrm>
+      </p:grpSpPr>
+      <p:sp>
+        <p:nvSpPr>
+          <p:cNvPr id="318" name="Google Shape;318;g5e417859eb_0_80:notes"/>
+          <p:cNvSpPr>
+            <a:spLocks noGrp="1" noRot="1" noChangeAspect="1"/>
+          </p:cNvSpPr>
+          <p:nvPr>
+            <p:ph type="sldImg" idx="2"/>
+          </p:nvPr>
+        </p:nvSpPr>
+        <p:spPr>
+          <a:xfrm>
+            <a:off x="381300" y="685800"/>
+            <a:ext cx="6096000" cy="3429000"/>
+          </a:xfrm>
+          <a:custGeom>
+            <a:avLst/>
+            <a:gdLst/>
+            <a:ahLst/>
+            <a:cxnLst/>
+            <a:rect l="l" t="t" r="r" b="b"/>
+            <a:pathLst>
+              <a:path w="120000" h="120000" extrusionOk="0">
+                <a:moveTo>
+                  <a:pt x="0" y="0"/>
+                </a:moveTo>
+                <a:lnTo>
+                  <a:pt x="120000" y="0"/>
+                </a:lnTo>
+                <a:lnTo>
+                  <a:pt x="120000" y="120000"/>
+                </a:lnTo>
+                <a:lnTo>
+                  <a:pt x="0" y="120000"/>
+                </a:lnTo>
+                <a:close/>
+              </a:path>
+            </a:pathLst>
+          </a:custGeom>
+        </p:spPr>
+      </p:sp>
+      <p:sp>
+        <p:nvSpPr>
+          <p:cNvPr id="319" name="Google Shape;319;g5e417859eb_0_80:notes"/>
           <p:cNvSpPr txBox="1">
             <a:spLocks noGrp="1"/>
           </p:cNvSpPr>
@@ -3148,7 +3178,7 @@
   <p:cSld>
     <p:spTree>
       <p:nvGrpSpPr>
-        <p:cNvPr id="1" name="Shape 281"/>
+        <p:cNvPr id="1" name="Shape 324"/>
         <p:cNvGrpSpPr/>
         <p:nvPr/>
       </p:nvGrpSpPr>
@@ -3162,7 +3192,7 @@
       </p:grpSpPr>
       <p:sp>
         <p:nvSpPr>
-          <p:cNvPr id="282" name="Google Shape;282;g5e417859eb_0_144:notes"/>
+          <p:cNvPr id="325" name="Google Shape;325;g5e3f480939_0_123:notes"/>
           <p:cNvSpPr>
             <a:spLocks noGrp="1" noRot="1" noChangeAspect="1"/>
           </p:cNvSpPr>
@@ -3203,7 +3233,7 @@
       </p:sp>
       <p:sp>
         <p:nvSpPr>
-          <p:cNvPr id="283" name="Google Shape;283;g5e417859eb_0_144:notes"/>
+          <p:cNvPr id="326" name="Google Shape;326;g5e3f480939_0_123:notes"/>
           <p:cNvSpPr txBox="1">
             <a:spLocks noGrp="1"/>
           </p:cNvSpPr>
@@ -3248,666 +3278,6 @@
 </file>
 
 <file path=ppt/notesSlides/notesSlide31.xml><?xml version="1.0" encoding="utf-8"?>
-<p:notes xmlns:a="http://schemas.openxmlformats.org/drawingml/2006/main" xmlns:r="http://schemas.openxmlformats.org/officeDocument/2006/relationships" xmlns:p="http://schemas.openxmlformats.org/presentationml/2006/main" showMasterSp="0" showMasterPhAnim="0">
-  <p:cSld>
-    <p:spTree>
-      <p:nvGrpSpPr>
-        <p:cNvPr id="1" name="Shape 286"/>
-        <p:cNvGrpSpPr/>
-        <p:nvPr/>
-      </p:nvGrpSpPr>
-      <p:grpSpPr>
-        <a:xfrm>
-          <a:off x="0" y="0"/>
-          <a:ext cx="0" cy="0"/>
-          <a:chOff x="0" y="0"/>
-          <a:chExt cx="0" cy="0"/>
-        </a:xfrm>
-      </p:grpSpPr>
-      <p:sp>
-        <p:nvSpPr>
-          <p:cNvPr id="287" name="Google Shape;287;g5e3f480939_0_192:notes"/>
-          <p:cNvSpPr>
-            <a:spLocks noGrp="1" noRot="1" noChangeAspect="1"/>
-          </p:cNvSpPr>
-          <p:nvPr>
-            <p:ph type="sldImg" idx="2"/>
-          </p:nvPr>
-        </p:nvSpPr>
-        <p:spPr>
-          <a:xfrm>
-            <a:off x="381300" y="685800"/>
-            <a:ext cx="6096000" cy="3429000"/>
-          </a:xfrm>
-          <a:custGeom>
-            <a:avLst/>
-            <a:gdLst/>
-            <a:ahLst/>
-            <a:cxnLst/>
-            <a:rect l="l" t="t" r="r" b="b"/>
-            <a:pathLst>
-              <a:path w="120000" h="120000" extrusionOk="0">
-                <a:moveTo>
-                  <a:pt x="0" y="0"/>
-                </a:moveTo>
-                <a:lnTo>
-                  <a:pt x="120000" y="0"/>
-                </a:lnTo>
-                <a:lnTo>
-                  <a:pt x="120000" y="120000"/>
-                </a:lnTo>
-                <a:lnTo>
-                  <a:pt x="0" y="120000"/>
-                </a:lnTo>
-                <a:close/>
-              </a:path>
-            </a:pathLst>
-          </a:custGeom>
-        </p:spPr>
-      </p:sp>
-      <p:sp>
-        <p:nvSpPr>
-          <p:cNvPr id="288" name="Google Shape;288;g5e3f480939_0_192:notes"/>
-          <p:cNvSpPr txBox="1">
-            <a:spLocks noGrp="1"/>
-          </p:cNvSpPr>
-          <p:nvPr>
-            <p:ph type="body" idx="1"/>
-          </p:nvPr>
-        </p:nvSpPr>
-        <p:spPr>
-          <a:xfrm>
-            <a:off x="685800" y="4343400"/>
-            <a:ext cx="5486400" cy="4114800"/>
-          </a:xfrm>
-          <a:prstGeom prst="rect">
-            <a:avLst/>
-          </a:prstGeom>
-        </p:spPr>
-        <p:txBody>
-          <a:bodyPr spcFirstLastPara="1" wrap="square" lIns="91425" tIns="91425" rIns="91425" bIns="91425" anchor="t" anchorCtr="0">
-            <a:noAutofit/>
-          </a:bodyPr>
-          <a:lstStyle/>
-          <a:p>
-            <a:pPr marL="0" lvl="0" indent="0" algn="l" rtl="0">
-              <a:spcBef>
-                <a:spcPts val="0"/>
-              </a:spcBef>
-              <a:spcAft>
-                <a:spcPts val="0"/>
-              </a:spcAft>
-              <a:buNone/>
-            </a:pPr>
-            <a:endParaRPr/>
-          </a:p>
-        </p:txBody>
-      </p:sp>
-    </p:spTree>
-  </p:cSld>
-  <p:clrMapOvr>
-    <a:masterClrMapping/>
-  </p:clrMapOvr>
-</p:notes>
-</file>
-
-<file path=ppt/notesSlides/notesSlide32.xml><?xml version="1.0" encoding="utf-8"?>
-<p:notes xmlns:a="http://schemas.openxmlformats.org/drawingml/2006/main" xmlns:r="http://schemas.openxmlformats.org/officeDocument/2006/relationships" xmlns:p="http://schemas.openxmlformats.org/presentationml/2006/main" showMasterSp="0" showMasterPhAnim="0">
-  <p:cSld>
-    <p:spTree>
-      <p:nvGrpSpPr>
-        <p:cNvPr id="1" name="Shape 295"/>
-        <p:cNvGrpSpPr/>
-        <p:nvPr/>
-      </p:nvGrpSpPr>
-      <p:grpSpPr>
-        <a:xfrm>
-          <a:off x="0" y="0"/>
-          <a:ext cx="0" cy="0"/>
-          <a:chOff x="0" y="0"/>
-          <a:chExt cx="0" cy="0"/>
-        </a:xfrm>
-      </p:grpSpPr>
-      <p:sp>
-        <p:nvSpPr>
-          <p:cNvPr id="296" name="Google Shape;296;g5e417859eb_0_120:notes"/>
-          <p:cNvSpPr>
-            <a:spLocks noGrp="1" noRot="1" noChangeAspect="1"/>
-          </p:cNvSpPr>
-          <p:nvPr>
-            <p:ph type="sldImg" idx="2"/>
-          </p:nvPr>
-        </p:nvSpPr>
-        <p:spPr>
-          <a:xfrm>
-            <a:off x="381300" y="685800"/>
-            <a:ext cx="6096000" cy="3429000"/>
-          </a:xfrm>
-          <a:custGeom>
-            <a:avLst/>
-            <a:gdLst/>
-            <a:ahLst/>
-            <a:cxnLst/>
-            <a:rect l="l" t="t" r="r" b="b"/>
-            <a:pathLst>
-              <a:path w="120000" h="120000" extrusionOk="0">
-                <a:moveTo>
-                  <a:pt x="0" y="0"/>
-                </a:moveTo>
-                <a:lnTo>
-                  <a:pt x="120000" y="0"/>
-                </a:lnTo>
-                <a:lnTo>
-                  <a:pt x="120000" y="120000"/>
-                </a:lnTo>
-                <a:lnTo>
-                  <a:pt x="0" y="120000"/>
-                </a:lnTo>
-                <a:close/>
-              </a:path>
-            </a:pathLst>
-          </a:custGeom>
-        </p:spPr>
-      </p:sp>
-      <p:sp>
-        <p:nvSpPr>
-          <p:cNvPr id="297" name="Google Shape;297;g5e417859eb_0_120:notes"/>
-          <p:cNvSpPr txBox="1">
-            <a:spLocks noGrp="1"/>
-          </p:cNvSpPr>
-          <p:nvPr>
-            <p:ph type="body" idx="1"/>
-          </p:nvPr>
-        </p:nvSpPr>
-        <p:spPr>
-          <a:xfrm>
-            <a:off x="685800" y="4343400"/>
-            <a:ext cx="5486400" cy="4114800"/>
-          </a:xfrm>
-          <a:prstGeom prst="rect">
-            <a:avLst/>
-          </a:prstGeom>
-        </p:spPr>
-        <p:txBody>
-          <a:bodyPr spcFirstLastPara="1" wrap="square" lIns="91425" tIns="91425" rIns="91425" bIns="91425" anchor="t" anchorCtr="0">
-            <a:noAutofit/>
-          </a:bodyPr>
-          <a:lstStyle/>
-          <a:p>
-            <a:pPr marL="0" lvl="0" indent="0" algn="l" rtl="0">
-              <a:spcBef>
-                <a:spcPts val="0"/>
-              </a:spcBef>
-              <a:spcAft>
-                <a:spcPts val="0"/>
-              </a:spcAft>
-              <a:buNone/>
-            </a:pPr>
-            <a:endParaRPr/>
-          </a:p>
-        </p:txBody>
-      </p:sp>
-    </p:spTree>
-  </p:cSld>
-  <p:clrMapOvr>
-    <a:masterClrMapping/>
-  </p:clrMapOvr>
-</p:notes>
-</file>
-
-<file path=ppt/notesSlides/notesSlide33.xml><?xml version="1.0" encoding="utf-8"?>
-<p:notes xmlns:a="http://schemas.openxmlformats.org/drawingml/2006/main" xmlns:r="http://schemas.openxmlformats.org/officeDocument/2006/relationships" xmlns:p="http://schemas.openxmlformats.org/presentationml/2006/main" showMasterSp="0" showMasterPhAnim="0">
-  <p:cSld>
-    <p:spTree>
-      <p:nvGrpSpPr>
-        <p:cNvPr id="1" name="Shape 301"/>
-        <p:cNvGrpSpPr/>
-        <p:nvPr/>
-      </p:nvGrpSpPr>
-      <p:grpSpPr>
-        <a:xfrm>
-          <a:off x="0" y="0"/>
-          <a:ext cx="0" cy="0"/>
-          <a:chOff x="0" y="0"/>
-          <a:chExt cx="0" cy="0"/>
-        </a:xfrm>
-      </p:grpSpPr>
-      <p:sp>
-        <p:nvSpPr>
-          <p:cNvPr id="302" name="Google Shape;302;g5e3f480939_0_1107:notes"/>
-          <p:cNvSpPr>
-            <a:spLocks noGrp="1" noRot="1" noChangeAspect="1"/>
-          </p:cNvSpPr>
-          <p:nvPr>
-            <p:ph type="sldImg" idx="2"/>
-          </p:nvPr>
-        </p:nvSpPr>
-        <p:spPr>
-          <a:xfrm>
-            <a:off x="381300" y="685800"/>
-            <a:ext cx="6096000" cy="3429000"/>
-          </a:xfrm>
-          <a:custGeom>
-            <a:avLst/>
-            <a:gdLst/>
-            <a:ahLst/>
-            <a:cxnLst/>
-            <a:rect l="l" t="t" r="r" b="b"/>
-            <a:pathLst>
-              <a:path w="120000" h="120000" extrusionOk="0">
-                <a:moveTo>
-                  <a:pt x="0" y="0"/>
-                </a:moveTo>
-                <a:lnTo>
-                  <a:pt x="120000" y="0"/>
-                </a:lnTo>
-                <a:lnTo>
-                  <a:pt x="120000" y="120000"/>
-                </a:lnTo>
-                <a:lnTo>
-                  <a:pt x="0" y="120000"/>
-                </a:lnTo>
-                <a:close/>
-              </a:path>
-            </a:pathLst>
-          </a:custGeom>
-        </p:spPr>
-      </p:sp>
-      <p:sp>
-        <p:nvSpPr>
-          <p:cNvPr id="303" name="Google Shape;303;g5e3f480939_0_1107:notes"/>
-          <p:cNvSpPr txBox="1">
-            <a:spLocks noGrp="1"/>
-          </p:cNvSpPr>
-          <p:nvPr>
-            <p:ph type="body" idx="1"/>
-          </p:nvPr>
-        </p:nvSpPr>
-        <p:spPr>
-          <a:xfrm>
-            <a:off x="685800" y="4343400"/>
-            <a:ext cx="5486400" cy="4114800"/>
-          </a:xfrm>
-          <a:prstGeom prst="rect">
-            <a:avLst/>
-          </a:prstGeom>
-        </p:spPr>
-        <p:txBody>
-          <a:bodyPr spcFirstLastPara="1" wrap="square" lIns="91425" tIns="91425" rIns="91425" bIns="91425" anchor="t" anchorCtr="0">
-            <a:noAutofit/>
-          </a:bodyPr>
-          <a:lstStyle/>
-          <a:p>
-            <a:pPr marL="0" lvl="0" indent="0" algn="l" rtl="0">
-              <a:spcBef>
-                <a:spcPts val="0"/>
-              </a:spcBef>
-              <a:spcAft>
-                <a:spcPts val="0"/>
-              </a:spcAft>
-              <a:buNone/>
-            </a:pPr>
-            <a:r>
-              <a:rPr lang="en"/>
-              <a:t>In 2018, TX Alcohol Tax Revenue was $1.3 Billion</a:t>
-            </a:r>
-            <a:endParaRPr/>
-          </a:p>
-          <a:p>
-            <a:pPr marL="0" lvl="0" indent="0" algn="l" rtl="0">
-              <a:spcBef>
-                <a:spcPts val="0"/>
-              </a:spcBef>
-              <a:spcAft>
-                <a:spcPts val="0"/>
-              </a:spcAft>
-              <a:buNone/>
-            </a:pPr>
-            <a:r>
-              <a:rPr lang="en"/>
-              <a:t>For this 5YR projection summed, TX can generate between:</a:t>
-            </a:r>
-            <a:endParaRPr/>
-          </a:p>
-          <a:p>
-            <a:pPr marL="0" lvl="0" indent="0" algn="l" rtl="0">
-              <a:spcBef>
-                <a:spcPts val="0"/>
-              </a:spcBef>
-              <a:spcAft>
-                <a:spcPts val="0"/>
-              </a:spcAft>
-              <a:buNone/>
-            </a:pPr>
-            <a:r>
-              <a:rPr lang="en"/>
-              <a:t> $4-6 Billion in Total Tax Fees Revenue</a:t>
-            </a:r>
-            <a:endParaRPr/>
-          </a:p>
-        </p:txBody>
-      </p:sp>
-    </p:spTree>
-  </p:cSld>
-  <p:clrMapOvr>
-    <a:masterClrMapping/>
-  </p:clrMapOvr>
-</p:notes>
-</file>
-
-<file path=ppt/notesSlides/notesSlide34.xml><?xml version="1.0" encoding="utf-8"?>
-<p:notes xmlns:a="http://schemas.openxmlformats.org/drawingml/2006/main" xmlns:r="http://schemas.openxmlformats.org/officeDocument/2006/relationships" xmlns:p="http://schemas.openxmlformats.org/presentationml/2006/main" showMasterSp="0" showMasterPhAnim="0">
-  <p:cSld>
-    <p:spTree>
-      <p:nvGrpSpPr>
-        <p:cNvPr id="1" name="Shape 309"/>
-        <p:cNvGrpSpPr/>
-        <p:nvPr/>
-      </p:nvGrpSpPr>
-      <p:grpSpPr>
-        <a:xfrm>
-          <a:off x="0" y="0"/>
-          <a:ext cx="0" cy="0"/>
-          <a:chOff x="0" y="0"/>
-          <a:chExt cx="0" cy="0"/>
-        </a:xfrm>
-      </p:grpSpPr>
-      <p:sp>
-        <p:nvSpPr>
-          <p:cNvPr id="310" name="Google Shape;310;g5e3f480939_0_201:notes"/>
-          <p:cNvSpPr>
-            <a:spLocks noGrp="1" noRot="1" noChangeAspect="1"/>
-          </p:cNvSpPr>
-          <p:nvPr>
-            <p:ph type="sldImg" idx="2"/>
-          </p:nvPr>
-        </p:nvSpPr>
-        <p:spPr>
-          <a:xfrm>
-            <a:off x="381300" y="685800"/>
-            <a:ext cx="6096000" cy="3429000"/>
-          </a:xfrm>
-          <a:custGeom>
-            <a:avLst/>
-            <a:gdLst/>
-            <a:ahLst/>
-            <a:cxnLst/>
-            <a:rect l="l" t="t" r="r" b="b"/>
-            <a:pathLst>
-              <a:path w="120000" h="120000" extrusionOk="0">
-                <a:moveTo>
-                  <a:pt x="0" y="0"/>
-                </a:moveTo>
-                <a:lnTo>
-                  <a:pt x="120000" y="0"/>
-                </a:lnTo>
-                <a:lnTo>
-                  <a:pt x="120000" y="120000"/>
-                </a:lnTo>
-                <a:lnTo>
-                  <a:pt x="0" y="120000"/>
-                </a:lnTo>
-                <a:close/>
-              </a:path>
-            </a:pathLst>
-          </a:custGeom>
-        </p:spPr>
-      </p:sp>
-      <p:sp>
-        <p:nvSpPr>
-          <p:cNvPr id="311" name="Google Shape;311;g5e3f480939_0_201:notes"/>
-          <p:cNvSpPr txBox="1">
-            <a:spLocks noGrp="1"/>
-          </p:cNvSpPr>
-          <p:nvPr>
-            <p:ph type="body" idx="1"/>
-          </p:nvPr>
-        </p:nvSpPr>
-        <p:spPr>
-          <a:xfrm>
-            <a:off x="685800" y="4343400"/>
-            <a:ext cx="5486400" cy="4114800"/>
-          </a:xfrm>
-          <a:prstGeom prst="rect">
-            <a:avLst/>
-          </a:prstGeom>
-        </p:spPr>
-        <p:txBody>
-          <a:bodyPr spcFirstLastPara="1" wrap="square" lIns="91425" tIns="91425" rIns="91425" bIns="91425" anchor="t" anchorCtr="0">
-            <a:noAutofit/>
-          </a:bodyPr>
-          <a:lstStyle/>
-          <a:p>
-            <a:pPr marL="0" lvl="0" indent="0" algn="l" rtl="0">
-              <a:spcBef>
-                <a:spcPts val="0"/>
-              </a:spcBef>
-              <a:spcAft>
-                <a:spcPts val="0"/>
-              </a:spcAft>
-              <a:buNone/>
-            </a:pPr>
-            <a:endParaRPr/>
-          </a:p>
-        </p:txBody>
-      </p:sp>
-    </p:spTree>
-  </p:cSld>
-  <p:clrMapOvr>
-    <a:masterClrMapping/>
-  </p:clrMapOvr>
-</p:notes>
-</file>
-
-<file path=ppt/notesSlides/notesSlide35.xml><?xml version="1.0" encoding="utf-8"?>
-<p:notes xmlns:a="http://schemas.openxmlformats.org/drawingml/2006/main" xmlns:r="http://schemas.openxmlformats.org/officeDocument/2006/relationships" xmlns:p="http://schemas.openxmlformats.org/presentationml/2006/main" showMasterSp="0" showMasterPhAnim="0">
-  <p:cSld>
-    <p:spTree>
-      <p:nvGrpSpPr>
-        <p:cNvPr id="1" name="Shape 317"/>
-        <p:cNvGrpSpPr/>
-        <p:nvPr/>
-      </p:nvGrpSpPr>
-      <p:grpSpPr>
-        <a:xfrm>
-          <a:off x="0" y="0"/>
-          <a:ext cx="0" cy="0"/>
-          <a:chOff x="0" y="0"/>
-          <a:chExt cx="0" cy="0"/>
-        </a:xfrm>
-      </p:grpSpPr>
-      <p:sp>
-        <p:nvSpPr>
-          <p:cNvPr id="318" name="Google Shape;318;g5e417859eb_0_80:notes"/>
-          <p:cNvSpPr>
-            <a:spLocks noGrp="1" noRot="1" noChangeAspect="1"/>
-          </p:cNvSpPr>
-          <p:nvPr>
-            <p:ph type="sldImg" idx="2"/>
-          </p:nvPr>
-        </p:nvSpPr>
-        <p:spPr>
-          <a:xfrm>
-            <a:off x="381300" y="685800"/>
-            <a:ext cx="6096000" cy="3429000"/>
-          </a:xfrm>
-          <a:custGeom>
-            <a:avLst/>
-            <a:gdLst/>
-            <a:ahLst/>
-            <a:cxnLst/>
-            <a:rect l="l" t="t" r="r" b="b"/>
-            <a:pathLst>
-              <a:path w="120000" h="120000" extrusionOk="0">
-                <a:moveTo>
-                  <a:pt x="0" y="0"/>
-                </a:moveTo>
-                <a:lnTo>
-                  <a:pt x="120000" y="0"/>
-                </a:lnTo>
-                <a:lnTo>
-                  <a:pt x="120000" y="120000"/>
-                </a:lnTo>
-                <a:lnTo>
-                  <a:pt x="0" y="120000"/>
-                </a:lnTo>
-                <a:close/>
-              </a:path>
-            </a:pathLst>
-          </a:custGeom>
-        </p:spPr>
-      </p:sp>
-      <p:sp>
-        <p:nvSpPr>
-          <p:cNvPr id="319" name="Google Shape;319;g5e417859eb_0_80:notes"/>
-          <p:cNvSpPr txBox="1">
-            <a:spLocks noGrp="1"/>
-          </p:cNvSpPr>
-          <p:nvPr>
-            <p:ph type="body" idx="1"/>
-          </p:nvPr>
-        </p:nvSpPr>
-        <p:spPr>
-          <a:xfrm>
-            <a:off x="685800" y="4343400"/>
-            <a:ext cx="5486400" cy="4114800"/>
-          </a:xfrm>
-          <a:prstGeom prst="rect">
-            <a:avLst/>
-          </a:prstGeom>
-        </p:spPr>
-        <p:txBody>
-          <a:bodyPr spcFirstLastPara="1" wrap="square" lIns="91425" tIns="91425" rIns="91425" bIns="91425" anchor="t" anchorCtr="0">
-            <a:noAutofit/>
-          </a:bodyPr>
-          <a:lstStyle/>
-          <a:p>
-            <a:pPr marL="0" lvl="0" indent="0" algn="l" rtl="0">
-              <a:spcBef>
-                <a:spcPts val="0"/>
-              </a:spcBef>
-              <a:spcAft>
-                <a:spcPts val="0"/>
-              </a:spcAft>
-              <a:buNone/>
-            </a:pPr>
-            <a:endParaRPr/>
-          </a:p>
-        </p:txBody>
-      </p:sp>
-    </p:spTree>
-  </p:cSld>
-  <p:clrMapOvr>
-    <a:masterClrMapping/>
-  </p:clrMapOvr>
-</p:notes>
-</file>
-
-<file path=ppt/notesSlides/notesSlide36.xml><?xml version="1.0" encoding="utf-8"?>
-<p:notes xmlns:a="http://schemas.openxmlformats.org/drawingml/2006/main" xmlns:r="http://schemas.openxmlformats.org/officeDocument/2006/relationships" xmlns:p="http://schemas.openxmlformats.org/presentationml/2006/main" showMasterSp="0" showMasterPhAnim="0">
-  <p:cSld>
-    <p:spTree>
-      <p:nvGrpSpPr>
-        <p:cNvPr id="1" name="Shape 324"/>
-        <p:cNvGrpSpPr/>
-        <p:nvPr/>
-      </p:nvGrpSpPr>
-      <p:grpSpPr>
-        <a:xfrm>
-          <a:off x="0" y="0"/>
-          <a:ext cx="0" cy="0"/>
-          <a:chOff x="0" y="0"/>
-          <a:chExt cx="0" cy="0"/>
-        </a:xfrm>
-      </p:grpSpPr>
-      <p:sp>
-        <p:nvSpPr>
-          <p:cNvPr id="325" name="Google Shape;325;g5e3f480939_0_123:notes"/>
-          <p:cNvSpPr>
-            <a:spLocks noGrp="1" noRot="1" noChangeAspect="1"/>
-          </p:cNvSpPr>
-          <p:nvPr>
-            <p:ph type="sldImg" idx="2"/>
-          </p:nvPr>
-        </p:nvSpPr>
-        <p:spPr>
-          <a:xfrm>
-            <a:off x="381300" y="685800"/>
-            <a:ext cx="6096000" cy="3429000"/>
-          </a:xfrm>
-          <a:custGeom>
-            <a:avLst/>
-            <a:gdLst/>
-            <a:ahLst/>
-            <a:cxnLst/>
-            <a:rect l="l" t="t" r="r" b="b"/>
-            <a:pathLst>
-              <a:path w="120000" h="120000" extrusionOk="0">
-                <a:moveTo>
-                  <a:pt x="0" y="0"/>
-                </a:moveTo>
-                <a:lnTo>
-                  <a:pt x="120000" y="0"/>
-                </a:lnTo>
-                <a:lnTo>
-                  <a:pt x="120000" y="120000"/>
-                </a:lnTo>
-                <a:lnTo>
-                  <a:pt x="0" y="120000"/>
-                </a:lnTo>
-                <a:close/>
-              </a:path>
-            </a:pathLst>
-          </a:custGeom>
-        </p:spPr>
-      </p:sp>
-      <p:sp>
-        <p:nvSpPr>
-          <p:cNvPr id="326" name="Google Shape;326;g5e3f480939_0_123:notes"/>
-          <p:cNvSpPr txBox="1">
-            <a:spLocks noGrp="1"/>
-          </p:cNvSpPr>
-          <p:nvPr>
-            <p:ph type="body" idx="1"/>
-          </p:nvPr>
-        </p:nvSpPr>
-        <p:spPr>
-          <a:xfrm>
-            <a:off x="685800" y="4343400"/>
-            <a:ext cx="5486400" cy="4114800"/>
-          </a:xfrm>
-          <a:prstGeom prst="rect">
-            <a:avLst/>
-          </a:prstGeom>
-        </p:spPr>
-        <p:txBody>
-          <a:bodyPr spcFirstLastPara="1" wrap="square" lIns="91425" tIns="91425" rIns="91425" bIns="91425" anchor="t" anchorCtr="0">
-            <a:noAutofit/>
-          </a:bodyPr>
-          <a:lstStyle/>
-          <a:p>
-            <a:pPr marL="0" lvl="0" indent="0" algn="l" rtl="0">
-              <a:spcBef>
-                <a:spcPts val="0"/>
-              </a:spcBef>
-              <a:spcAft>
-                <a:spcPts val="0"/>
-              </a:spcAft>
-              <a:buNone/>
-            </a:pPr>
-            <a:endParaRPr/>
-          </a:p>
-        </p:txBody>
-      </p:sp>
-    </p:spTree>
-  </p:cSld>
-  <p:clrMapOvr>
-    <a:masterClrMapping/>
-  </p:clrMapOvr>
-</p:notes>
-</file>
-
-<file path=ppt/notesSlides/notesSlide37.xml><?xml version="1.0" encoding="utf-8"?>
 <p:notes xmlns:a="http://schemas.openxmlformats.org/drawingml/2006/main" xmlns:r="http://schemas.openxmlformats.org/officeDocument/2006/relationships" xmlns:p="http://schemas.openxmlformats.org/presentationml/2006/main" showMasterSp="0" showMasterPhAnim="0">
   <p:cSld>
     <p:spTree>
@@ -4011,7 +3381,7 @@
 </p:notes>
 </file>
 
-<file path=ppt/notesSlides/notesSlide38.xml><?xml version="1.0" encoding="utf-8"?>
+<file path=ppt/notesSlides/notesSlide32.xml><?xml version="1.0" encoding="utf-8"?>
 <p:notes xmlns:a="http://schemas.openxmlformats.org/drawingml/2006/main" xmlns:r="http://schemas.openxmlformats.org/officeDocument/2006/relationships" xmlns:p="http://schemas.openxmlformats.org/presentationml/2006/main" showMasterSp="0" showMasterPhAnim="0">
   <p:cSld>
     <p:spTree>
@@ -12463,10 +11833,10 @@
               <a:buNone/>
             </a:pPr>
             <a:r>
-              <a:rPr lang="en" sz="1200" b="1"/>
-              <a:t>Figure 14abc. 2014-2018 forecasted Texas (a-left) and San Antonio populations from Combined model forecasting</a:t>
+              <a:rPr lang="en" sz="1200" b="1" dirty="0"/>
+              <a:t>Figure 14abc. 2018-2022 forecasted Texas (a-left) and San Antonio populations from Combined model forecasting</a:t>
             </a:r>
-            <a:endParaRPr sz="1100" b="1"/>
+            <a:endParaRPr sz="1100" b="1" dirty="0"/>
           </a:p>
           <a:p>
             <a:pPr marL="0" marR="0" lvl="0" indent="0" algn="ctr" rtl="0">
@@ -12481,7 +11851,7 @@
               </a:spcAft>
               <a:buNone/>
             </a:pPr>
-            <a:endParaRPr sz="1200" b="1">
+            <a:endParaRPr sz="1200" b="1" dirty="0">
               <a:latin typeface="Times New Roman"/>
               <a:ea typeface="Times New Roman"/>
               <a:cs typeface="Times New Roman"/>
@@ -12501,7 +11871,7 @@
               </a:spcAft>
               <a:buNone/>
             </a:pPr>
-            <a:endParaRPr sz="1100" b="1"/>
+            <a:endParaRPr sz="1100" b="1" dirty="0"/>
           </a:p>
           <a:p>
             <a:pPr marL="0" lvl="0" indent="0" algn="ctr" rtl="0">
@@ -12516,7 +11886,7 @@
               </a:spcAft>
               <a:buNone/>
             </a:pPr>
-            <a:endParaRPr sz="1100" b="1"/>
+            <a:endParaRPr sz="1100" b="1" dirty="0"/>
           </a:p>
           <a:p>
             <a:pPr marL="0" lvl="0" indent="0" algn="ctr" rtl="0">
@@ -12531,13 +11901,13 @@
               </a:spcAft>
               <a:buNone/>
             </a:pPr>
-            <a:endParaRPr sz="1100" b="1"/>
+            <a:endParaRPr sz="1100" b="1" dirty="0"/>
           </a:p>
         </p:txBody>
       </p:sp>
       <p:pic>
         <p:nvPicPr>
-          <p:cNvPr id="204" name="Google Shape;204;p31"/>
+          <p:cNvPr id="205" name="Google Shape;205;p31"/>
           <p:cNvPicPr preferRelativeResize="0"/>
           <p:nvPr/>
         </p:nvPicPr>
@@ -12551,8 +11921,8 @@
         </p:blipFill>
         <p:spPr>
           <a:xfrm>
-            <a:off x="152400" y="1170125"/>
-            <a:ext cx="4334825" cy="2691983"/>
+            <a:off x="4631200" y="1163950"/>
+            <a:ext cx="4413980" cy="2720725"/>
           </a:xfrm>
           <a:prstGeom prst="rect">
             <a:avLst/>
@@ -12565,30 +11935,32 @@
       </p:pic>
       <p:pic>
         <p:nvPicPr>
-          <p:cNvPr id="205" name="Google Shape;205;p31"/>
-          <p:cNvPicPr preferRelativeResize="0"/>
+          <p:cNvPr id="3" name="Picture 2" descr="A close up of a map&#10;&#10;Description automatically generated">
+            <a:extLst>
+              <a:ext uri="{FF2B5EF4-FFF2-40B4-BE49-F238E27FC236}">
+                <a16:creationId xmlns:a16="http://schemas.microsoft.com/office/drawing/2014/main" id="{F2229ECF-0A37-F648-A8E4-ED92F09D48EC}"/>
+              </a:ext>
+            </a:extLst>
+          </p:cNvPr>
+          <p:cNvPicPr>
+            <a:picLocks noChangeAspect="1"/>
+          </p:cNvPicPr>
           <p:nvPr/>
         </p:nvPicPr>
         <p:blipFill>
-          <a:blip r:embed="rId4">
-            <a:alphaModFix/>
-          </a:blip>
+          <a:blip r:embed="rId4"/>
           <a:stretch>
             <a:fillRect/>
           </a:stretch>
         </p:blipFill>
         <p:spPr>
           <a:xfrm>
-            <a:off x="4631200" y="1163950"/>
-            <a:ext cx="4413980" cy="2720725"/>
+            <a:off x="98821" y="1163951"/>
+            <a:ext cx="4532380" cy="2815470"/>
           </a:xfrm>
           <a:prstGeom prst="rect">
             <a:avLst/>
           </a:prstGeom>
-          <a:noFill/>
-          <a:ln>
-            <a:noFill/>
-          </a:ln>
         </p:spPr>
       </p:pic>
     </p:spTree>
@@ -12696,10 +12068,14 @@
               <a:buNone/>
             </a:pPr>
             <a:r>
+              <a:rPr lang="en" sz="1200" b="1" dirty="0"/>
+              <a:t>Figure 15. </a:t>
+            </a:r>
+            <a:r>
               <a:rPr lang="en" sz="1200" b="1"/>
-              <a:t>Figure 15. 2014-2018 forecasted Houston populations from Combined model forecasting</a:t>
+              <a:t>2018-2022 forecasted Houston populations from Combined model forecasting</a:t>
             </a:r>
-            <a:endParaRPr sz="1200" b="1"/>
+            <a:endParaRPr sz="1200" b="1" dirty="0"/>
           </a:p>
           <a:p>
             <a:pPr marL="0" marR="0" lvl="0" indent="0" algn="ctr" rtl="0">
@@ -12714,7 +12090,7 @@
               </a:spcAft>
               <a:buNone/>
             </a:pPr>
-            <a:endParaRPr sz="1200" b="1">
+            <a:endParaRPr sz="1200" b="1" dirty="0">
               <a:latin typeface="Times New Roman"/>
               <a:ea typeface="Times New Roman"/>
               <a:cs typeface="Times New Roman"/>
@@ -12734,7 +12110,7 @@
               </a:spcAft>
               <a:buNone/>
             </a:pPr>
-            <a:endParaRPr sz="1200" b="1">
+            <a:endParaRPr sz="1200" b="1" dirty="0">
               <a:latin typeface="Times New Roman"/>
               <a:ea typeface="Times New Roman"/>
               <a:cs typeface="Times New Roman"/>
@@ -12754,7 +12130,7 @@
               </a:spcAft>
               <a:buNone/>
             </a:pPr>
-            <a:endParaRPr sz="1100" b="1"/>
+            <a:endParaRPr sz="1100" b="1" dirty="0"/>
           </a:p>
           <a:p>
             <a:pPr marL="0" lvl="0" indent="0" algn="ctr" rtl="0">
@@ -12769,7 +12145,7 @@
               </a:spcAft>
               <a:buNone/>
             </a:pPr>
-            <a:endParaRPr sz="1100" b="1"/>
+            <a:endParaRPr sz="1100" b="1" dirty="0"/>
           </a:p>
           <a:p>
             <a:pPr marL="0" lvl="0" indent="0" algn="ctr" rtl="0">
@@ -12784,7 +12160,7 @@
               </a:spcAft>
               <a:buNone/>
             </a:pPr>
-            <a:endParaRPr sz="1100" b="1"/>
+            <a:endParaRPr sz="1100" b="1" dirty="0"/>
           </a:p>
         </p:txBody>
       </p:sp>
@@ -14256,165 +13632,6 @@
   <p:cSld>
     <p:spTree>
       <p:nvGrpSpPr>
-        <p:cNvPr id="1" name="Shape 239"/>
-        <p:cNvGrpSpPr/>
-        <p:nvPr/>
-      </p:nvGrpSpPr>
-      <p:grpSpPr>
-        <a:xfrm>
-          <a:off x="0" y="0"/>
-          <a:ext cx="0" cy="0"/>
-          <a:chOff x="0" y="0"/>
-          <a:chExt cx="0" cy="0"/>
-        </a:xfrm>
-      </p:grpSpPr>
-      <p:pic>
-        <p:nvPicPr>
-          <p:cNvPr id="240" name="Google Shape;240;p36"/>
-          <p:cNvPicPr preferRelativeResize="0"/>
-          <p:nvPr/>
-        </p:nvPicPr>
-        <p:blipFill>
-          <a:blip r:embed="rId3">
-            <a:alphaModFix/>
-          </a:blip>
-          <a:stretch>
-            <a:fillRect/>
-          </a:stretch>
-        </p:blipFill>
-        <p:spPr>
-          <a:xfrm>
-            <a:off x="491213" y="0"/>
-            <a:ext cx="8161575" cy="5036850"/>
-          </a:xfrm>
-          <a:prstGeom prst="rect">
-            <a:avLst/>
-          </a:prstGeom>
-          <a:noFill/>
-          <a:ln>
-            <a:noFill/>
-          </a:ln>
-        </p:spPr>
-      </p:pic>
-    </p:spTree>
-  </p:cSld>
-  <p:clrMapOvr>
-    <a:masterClrMapping/>
-  </p:clrMapOvr>
-</p:sld>
-</file>
-
-<file path=ppt/slides/slide23.xml><?xml version="1.0" encoding="utf-8"?>
-<p:sld xmlns:a="http://schemas.openxmlformats.org/drawingml/2006/main" xmlns:r="http://schemas.openxmlformats.org/officeDocument/2006/relationships" xmlns:p="http://schemas.openxmlformats.org/presentationml/2006/main">
-  <p:cSld>
-    <p:spTree>
-      <p:nvGrpSpPr>
-        <p:cNvPr id="1" name="Shape 244"/>
-        <p:cNvGrpSpPr/>
-        <p:nvPr/>
-      </p:nvGrpSpPr>
-      <p:grpSpPr>
-        <a:xfrm>
-          <a:off x="0" y="0"/>
-          <a:ext cx="0" cy="0"/>
-          <a:chOff x="0" y="0"/>
-          <a:chExt cx="0" cy="0"/>
-        </a:xfrm>
-      </p:grpSpPr>
-      <p:pic>
-        <p:nvPicPr>
-          <p:cNvPr id="245" name="Google Shape;245;p37"/>
-          <p:cNvPicPr preferRelativeResize="0"/>
-          <p:nvPr/>
-        </p:nvPicPr>
-        <p:blipFill>
-          <a:blip r:embed="rId3">
-            <a:alphaModFix/>
-          </a:blip>
-          <a:stretch>
-            <a:fillRect/>
-          </a:stretch>
-        </p:blipFill>
-        <p:spPr>
-          <a:xfrm>
-            <a:off x="477038" y="0"/>
-            <a:ext cx="8189925" cy="5054350"/>
-          </a:xfrm>
-          <a:prstGeom prst="rect">
-            <a:avLst/>
-          </a:prstGeom>
-          <a:noFill/>
-          <a:ln>
-            <a:noFill/>
-          </a:ln>
-        </p:spPr>
-      </p:pic>
-    </p:spTree>
-  </p:cSld>
-  <p:clrMapOvr>
-    <a:masterClrMapping/>
-  </p:clrMapOvr>
-</p:sld>
-</file>
-
-<file path=ppt/slides/slide24.xml><?xml version="1.0" encoding="utf-8"?>
-<p:sld xmlns:a="http://schemas.openxmlformats.org/drawingml/2006/main" xmlns:r="http://schemas.openxmlformats.org/officeDocument/2006/relationships" xmlns:p="http://schemas.openxmlformats.org/presentationml/2006/main">
-  <p:cSld>
-    <p:spTree>
-      <p:nvGrpSpPr>
-        <p:cNvPr id="1" name="Shape 249"/>
-        <p:cNvGrpSpPr/>
-        <p:nvPr/>
-      </p:nvGrpSpPr>
-      <p:grpSpPr>
-        <a:xfrm>
-          <a:off x="0" y="0"/>
-          <a:ext cx="0" cy="0"/>
-          <a:chOff x="0" y="0"/>
-          <a:chExt cx="0" cy="0"/>
-        </a:xfrm>
-      </p:grpSpPr>
-      <p:pic>
-        <p:nvPicPr>
-          <p:cNvPr id="250" name="Google Shape;250;p38"/>
-          <p:cNvPicPr preferRelativeResize="0"/>
-          <p:nvPr/>
-        </p:nvPicPr>
-        <p:blipFill>
-          <a:blip r:embed="rId3">
-            <a:alphaModFix/>
-          </a:blip>
-          <a:stretch>
-            <a:fillRect/>
-          </a:stretch>
-        </p:blipFill>
-        <p:spPr>
-          <a:xfrm>
-            <a:off x="485163" y="-12"/>
-            <a:ext cx="8173674" cy="5044325"/>
-          </a:xfrm>
-          <a:prstGeom prst="rect">
-            <a:avLst/>
-          </a:prstGeom>
-          <a:noFill/>
-          <a:ln>
-            <a:noFill/>
-          </a:ln>
-        </p:spPr>
-      </p:pic>
-    </p:spTree>
-  </p:cSld>
-  <p:clrMapOvr>
-    <a:masterClrMapping/>
-  </p:clrMapOvr>
-</p:sld>
-</file>
-
-<file path=ppt/slides/slide25.xml><?xml version="1.0" encoding="utf-8"?>
-<p:sld xmlns:a="http://schemas.openxmlformats.org/drawingml/2006/main" xmlns:r="http://schemas.openxmlformats.org/officeDocument/2006/relationships" xmlns:p="http://schemas.openxmlformats.org/presentationml/2006/main">
-  <p:cSld>
-    <p:spTree>
-      <p:nvGrpSpPr>
         <p:cNvPr id="1" name="Shape 254"/>
         <p:cNvGrpSpPr/>
         <p:nvPr/>
@@ -15188,7 +14405,7 @@
 </p:sld>
 </file>
 
-<file path=ppt/slides/slide26.xml><?xml version="1.0" encoding="utf-8"?>
+<file path=ppt/slides/slide23.xml><?xml version="1.0" encoding="utf-8"?>
 <p:sld xmlns:a="http://schemas.openxmlformats.org/drawingml/2006/main" xmlns:r="http://schemas.openxmlformats.org/officeDocument/2006/relationships" xmlns:p="http://schemas.openxmlformats.org/presentationml/2006/main">
   <p:cSld>
     <p:spTree>
@@ -15241,473 +14458,7 @@
 </p:sld>
 </file>
 
-<file path=ppt/slides/slide27.xml><?xml version="1.0" encoding="utf-8"?>
-<p:sld xmlns:a="http://schemas.openxmlformats.org/drawingml/2006/main" xmlns:r="http://schemas.openxmlformats.org/officeDocument/2006/relationships" xmlns:p="http://schemas.openxmlformats.org/presentationml/2006/main">
-  <p:cSld>
-    <p:spTree>
-      <p:nvGrpSpPr>
-        <p:cNvPr id="1" name="Shape 269"/>
-        <p:cNvGrpSpPr/>
-        <p:nvPr/>
-      </p:nvGrpSpPr>
-      <p:grpSpPr>
-        <a:xfrm>
-          <a:off x="0" y="0"/>
-          <a:ext cx="0" cy="0"/>
-          <a:chOff x="0" y="0"/>
-          <a:chExt cx="0" cy="0"/>
-        </a:xfrm>
-      </p:grpSpPr>
-      <p:pic>
-        <p:nvPicPr>
-          <p:cNvPr id="270" name="Google Shape;270;p41"/>
-          <p:cNvPicPr preferRelativeResize="0"/>
-          <p:nvPr/>
-        </p:nvPicPr>
-        <p:blipFill>
-          <a:blip r:embed="rId3">
-            <a:alphaModFix/>
-          </a:blip>
-          <a:stretch>
-            <a:fillRect/>
-          </a:stretch>
-        </p:blipFill>
-        <p:spPr>
-          <a:xfrm>
-            <a:off x="1009638" y="-12"/>
-            <a:ext cx="7124700" cy="4991100"/>
-          </a:xfrm>
-          <a:prstGeom prst="rect">
-            <a:avLst/>
-          </a:prstGeom>
-          <a:noFill/>
-          <a:ln>
-            <a:noFill/>
-          </a:ln>
-        </p:spPr>
-      </p:pic>
-    </p:spTree>
-  </p:cSld>
-  <p:clrMapOvr>
-    <a:masterClrMapping/>
-  </p:clrMapOvr>
-</p:sld>
-</file>
-
-<file path=ppt/slides/slide28.xml><?xml version="1.0" encoding="utf-8"?>
-<p:sld xmlns:a="http://schemas.openxmlformats.org/drawingml/2006/main" xmlns:r="http://schemas.openxmlformats.org/officeDocument/2006/relationships" xmlns:p="http://schemas.openxmlformats.org/presentationml/2006/main">
-  <p:cSld>
-    <p:spTree>
-      <p:nvGrpSpPr>
-        <p:cNvPr id="1" name="Shape 274"/>
-        <p:cNvGrpSpPr/>
-        <p:nvPr/>
-      </p:nvGrpSpPr>
-      <p:grpSpPr>
-        <a:xfrm>
-          <a:off x="0" y="0"/>
-          <a:ext cx="0" cy="0"/>
-          <a:chOff x="0" y="0"/>
-          <a:chExt cx="0" cy="0"/>
-        </a:xfrm>
-      </p:grpSpPr>
-      <p:pic>
-        <p:nvPicPr>
-          <p:cNvPr id="275" name="Google Shape;275;p42"/>
-          <p:cNvPicPr preferRelativeResize="0"/>
-          <p:nvPr/>
-        </p:nvPicPr>
-        <p:blipFill>
-          <a:blip r:embed="rId3">
-            <a:alphaModFix/>
-          </a:blip>
-          <a:stretch>
-            <a:fillRect/>
-          </a:stretch>
-        </p:blipFill>
-        <p:spPr>
-          <a:xfrm>
-            <a:off x="1009650" y="-12"/>
-            <a:ext cx="7124700" cy="4991100"/>
-          </a:xfrm>
-          <a:prstGeom prst="rect">
-            <a:avLst/>
-          </a:prstGeom>
-          <a:noFill/>
-          <a:ln>
-            <a:noFill/>
-          </a:ln>
-        </p:spPr>
-      </p:pic>
-    </p:spTree>
-  </p:cSld>
-  <p:clrMapOvr>
-    <a:masterClrMapping/>
-  </p:clrMapOvr>
-</p:sld>
-</file>
-
-<file path=ppt/slides/slide29.xml><?xml version="1.0" encoding="utf-8"?>
-<p:sld xmlns:a="http://schemas.openxmlformats.org/drawingml/2006/main" xmlns:r="http://schemas.openxmlformats.org/officeDocument/2006/relationships" xmlns:p="http://schemas.openxmlformats.org/presentationml/2006/main">
-  <p:cSld>
-    <p:spTree>
-      <p:nvGrpSpPr>
-        <p:cNvPr id="1" name="Shape 279"/>
-        <p:cNvGrpSpPr/>
-        <p:nvPr/>
-      </p:nvGrpSpPr>
-      <p:grpSpPr>
-        <a:xfrm>
-          <a:off x="0" y="0"/>
-          <a:ext cx="0" cy="0"/>
-          <a:chOff x="0" y="0"/>
-          <a:chExt cx="0" cy="0"/>
-        </a:xfrm>
-      </p:grpSpPr>
-      <p:pic>
-        <p:nvPicPr>
-          <p:cNvPr id="280" name="Google Shape;280;p43"/>
-          <p:cNvPicPr preferRelativeResize="0"/>
-          <p:nvPr/>
-        </p:nvPicPr>
-        <p:blipFill>
-          <a:blip r:embed="rId3">
-            <a:alphaModFix/>
-          </a:blip>
-          <a:stretch>
-            <a:fillRect/>
-          </a:stretch>
-        </p:blipFill>
-        <p:spPr>
-          <a:xfrm>
-            <a:off x="1009650" y="-12"/>
-            <a:ext cx="7124700" cy="4991100"/>
-          </a:xfrm>
-          <a:prstGeom prst="rect">
-            <a:avLst/>
-          </a:prstGeom>
-          <a:noFill/>
-          <a:ln>
-            <a:noFill/>
-          </a:ln>
-        </p:spPr>
-      </p:pic>
-    </p:spTree>
-  </p:cSld>
-  <p:clrMapOvr>
-    <a:masterClrMapping/>
-  </p:clrMapOvr>
-</p:sld>
-</file>
-
-<file path=ppt/slides/slide3.xml><?xml version="1.0" encoding="utf-8"?>
-<p:sld xmlns:a="http://schemas.openxmlformats.org/drawingml/2006/main" xmlns:r="http://schemas.openxmlformats.org/officeDocument/2006/relationships" xmlns:p="http://schemas.openxmlformats.org/presentationml/2006/main">
-  <p:cSld>
-    <p:spTree>
-      <p:nvGrpSpPr>
-        <p:cNvPr id="1" name="Shape 71"/>
-        <p:cNvGrpSpPr/>
-        <p:nvPr/>
-      </p:nvGrpSpPr>
-      <p:grpSpPr>
-        <a:xfrm>
-          <a:off x="0" y="0"/>
-          <a:ext cx="0" cy="0"/>
-          <a:chOff x="0" y="0"/>
-          <a:chExt cx="0" cy="0"/>
-        </a:xfrm>
-      </p:grpSpPr>
-      <p:sp>
-        <p:nvSpPr>
-          <p:cNvPr id="72" name="Google Shape;72;p15"/>
-          <p:cNvSpPr txBox="1">
-            <a:spLocks noGrp="1"/>
-          </p:cNvSpPr>
-          <p:nvPr>
-            <p:ph type="title"/>
-          </p:nvPr>
-        </p:nvSpPr>
-        <p:spPr>
-          <a:xfrm>
-            <a:off x="311700" y="445025"/>
-            <a:ext cx="8520600" cy="572700"/>
-          </a:xfrm>
-          <a:prstGeom prst="rect">
-            <a:avLst/>
-          </a:prstGeom>
-        </p:spPr>
-        <p:txBody>
-          <a:bodyPr spcFirstLastPara="1" wrap="square" lIns="91425" tIns="91425" rIns="91425" bIns="91425" anchor="t" anchorCtr="0">
-            <a:noAutofit/>
-          </a:bodyPr>
-          <a:lstStyle/>
-          <a:p>
-            <a:pPr marL="457200" lvl="0" indent="-406400" algn="l" rtl="0">
-              <a:spcBef>
-                <a:spcPts val="0"/>
-              </a:spcBef>
-              <a:spcAft>
-                <a:spcPts val="0"/>
-              </a:spcAft>
-              <a:buSzPts val="2800"/>
-              <a:buAutoNum type="romanUcPeriod"/>
-            </a:pPr>
-            <a:r>
-              <a:rPr lang="en"/>
-              <a:t>Business Understanding</a:t>
-            </a:r>
-            <a:endParaRPr/>
-          </a:p>
-        </p:txBody>
-      </p:sp>
-      <p:sp>
-        <p:nvSpPr>
-          <p:cNvPr id="73" name="Google Shape;73;p15"/>
-          <p:cNvSpPr txBox="1">
-            <a:spLocks noGrp="1"/>
-          </p:cNvSpPr>
-          <p:nvPr>
-            <p:ph type="body" idx="1"/>
-          </p:nvPr>
-        </p:nvSpPr>
-        <p:spPr>
-          <a:xfrm>
-            <a:off x="311700" y="1152475"/>
-            <a:ext cx="8520600" cy="3416400"/>
-          </a:xfrm>
-          <a:prstGeom prst="rect">
-            <a:avLst/>
-          </a:prstGeom>
-        </p:spPr>
-        <p:txBody>
-          <a:bodyPr spcFirstLastPara="1" wrap="square" lIns="91425" tIns="91425" rIns="91425" bIns="91425" anchor="t" anchorCtr="0">
-            <a:noAutofit/>
-          </a:bodyPr>
-          <a:lstStyle/>
-          <a:p>
-            <a:pPr marL="457200" lvl="0" indent="-342900" algn="l" rtl="0">
-              <a:spcBef>
-                <a:spcPts val="0"/>
-              </a:spcBef>
-              <a:spcAft>
-                <a:spcPts val="0"/>
-              </a:spcAft>
-              <a:buClr>
-                <a:srgbClr val="000000"/>
-              </a:buClr>
-              <a:buSzPts val="1800"/>
-              <a:buChar char="●"/>
-            </a:pPr>
-            <a:r>
-              <a:rPr lang="en" dirty="0">
-                <a:solidFill>
-                  <a:srgbClr val="000000"/>
-                </a:solidFill>
-              </a:rPr>
-              <a:t>$78.5 Billion in losses from US Opioid Epidemic</a:t>
-            </a:r>
-            <a:endParaRPr dirty="0">
-              <a:solidFill>
-                <a:srgbClr val="000000"/>
-              </a:solidFill>
-            </a:endParaRPr>
-          </a:p>
-          <a:p>
-            <a:pPr marL="0" lvl="0" indent="0" algn="l" rtl="0">
-              <a:spcBef>
-                <a:spcPts val="1600"/>
-              </a:spcBef>
-              <a:spcAft>
-                <a:spcPts val="0"/>
-              </a:spcAft>
-              <a:buNone/>
-            </a:pPr>
-            <a:endParaRPr dirty="0">
-              <a:solidFill>
-                <a:srgbClr val="000000"/>
-              </a:solidFill>
-            </a:endParaRPr>
-          </a:p>
-          <a:p>
-            <a:pPr marL="457200" lvl="0" indent="-342900" algn="l" rtl="0">
-              <a:spcBef>
-                <a:spcPts val="1600"/>
-              </a:spcBef>
-              <a:spcAft>
-                <a:spcPts val="0"/>
-              </a:spcAft>
-              <a:buClr>
-                <a:srgbClr val="000000"/>
-              </a:buClr>
-              <a:buSzPts val="1800"/>
-              <a:buChar char="●"/>
-            </a:pPr>
-            <a:r>
-              <a:rPr lang="en" dirty="0">
-                <a:solidFill>
-                  <a:srgbClr val="000000"/>
-                </a:solidFill>
-              </a:rPr>
-              <a:t>$6.7 Billion Marijuana Sales since 2014 in CO</a:t>
-            </a:r>
-            <a:endParaRPr dirty="0">
-              <a:solidFill>
-                <a:srgbClr val="000000"/>
-              </a:solidFill>
-            </a:endParaRPr>
-          </a:p>
-          <a:p>
-            <a:pPr marL="0" lvl="0" indent="0" algn="l" rtl="0">
-              <a:spcBef>
-                <a:spcPts val="1600"/>
-              </a:spcBef>
-              <a:spcAft>
-                <a:spcPts val="0"/>
-              </a:spcAft>
-              <a:buNone/>
-            </a:pPr>
-            <a:endParaRPr dirty="0">
-              <a:solidFill>
-                <a:srgbClr val="000000"/>
-              </a:solidFill>
-            </a:endParaRPr>
-          </a:p>
-          <a:p>
-            <a:pPr marL="457200" lvl="0" indent="-342900" algn="l" rtl="0">
-              <a:lnSpc>
-                <a:spcPct val="100000"/>
-              </a:lnSpc>
-              <a:spcBef>
-                <a:spcPts val="1600"/>
-              </a:spcBef>
-              <a:spcAft>
-                <a:spcPts val="0"/>
-              </a:spcAft>
-              <a:buClr>
-                <a:srgbClr val="000000"/>
-              </a:buClr>
-              <a:buSzPts val="1800"/>
-              <a:buChar char="●"/>
-            </a:pPr>
-            <a:r>
-              <a:rPr lang="en" dirty="0">
-                <a:solidFill>
-                  <a:srgbClr val="000000"/>
-                </a:solidFill>
-              </a:rPr>
-              <a:t>What if TX had full marijuana legalization since 2018?</a:t>
-            </a:r>
-            <a:endParaRPr dirty="0">
-              <a:solidFill>
-                <a:srgbClr val="000000"/>
-              </a:solidFill>
-            </a:endParaRPr>
-          </a:p>
-          <a:p>
-            <a:pPr marL="457200" lvl="0" indent="0" algn="l" rtl="0">
-              <a:lnSpc>
-                <a:spcPct val="100000"/>
-              </a:lnSpc>
-              <a:spcBef>
-                <a:spcPts val="1600"/>
-              </a:spcBef>
-              <a:spcAft>
-                <a:spcPts val="0"/>
-              </a:spcAft>
-              <a:buNone/>
-            </a:pPr>
-            <a:endParaRPr sz="100" dirty="0">
-              <a:solidFill>
-                <a:srgbClr val="000000"/>
-              </a:solidFill>
-            </a:endParaRPr>
-          </a:p>
-          <a:p>
-            <a:pPr marL="914400" lvl="1" indent="-317500" algn="l" rtl="0">
-              <a:lnSpc>
-                <a:spcPct val="100000"/>
-              </a:lnSpc>
-              <a:spcBef>
-                <a:spcPts val="1600"/>
-              </a:spcBef>
-              <a:spcAft>
-                <a:spcPts val="0"/>
-              </a:spcAft>
-              <a:buClr>
-                <a:srgbClr val="000000"/>
-              </a:buClr>
-              <a:buSzPts val="1400"/>
-              <a:buChar char="○"/>
-            </a:pPr>
-            <a:r>
-              <a:rPr lang="en" dirty="0">
-                <a:solidFill>
-                  <a:srgbClr val="000000"/>
-                </a:solidFill>
-              </a:rPr>
-              <a:t>Both for medical &amp; recreational marijuana</a:t>
-            </a:r>
-            <a:endParaRPr dirty="0">
-              <a:solidFill>
-                <a:srgbClr val="000000"/>
-              </a:solidFill>
-            </a:endParaRPr>
-          </a:p>
-          <a:p>
-            <a:pPr marL="0" lvl="0" indent="0" algn="l" rtl="0">
-              <a:spcBef>
-                <a:spcPts val="1600"/>
-              </a:spcBef>
-              <a:spcAft>
-                <a:spcPts val="1600"/>
-              </a:spcAft>
-              <a:buNone/>
-            </a:pPr>
-            <a:endParaRPr dirty="0">
-              <a:solidFill>
-                <a:srgbClr val="000000"/>
-              </a:solidFill>
-            </a:endParaRPr>
-          </a:p>
-        </p:txBody>
-      </p:sp>
-      <p:pic>
-        <p:nvPicPr>
-          <p:cNvPr id="74" name="Google Shape;74;p15"/>
-          <p:cNvPicPr preferRelativeResize="0"/>
-          <p:nvPr/>
-        </p:nvPicPr>
-        <p:blipFill>
-          <a:blip r:embed="rId3">
-            <a:alphaModFix/>
-          </a:blip>
-          <a:stretch>
-            <a:fillRect/>
-          </a:stretch>
-        </p:blipFill>
-        <p:spPr>
-          <a:xfrm>
-            <a:off x="5845375" y="611475"/>
-            <a:ext cx="2986925" cy="1603300"/>
-          </a:xfrm>
-          <a:prstGeom prst="rect">
-            <a:avLst/>
-          </a:prstGeom>
-          <a:noFill/>
-          <a:ln>
-            <a:noFill/>
-          </a:ln>
-        </p:spPr>
-      </p:pic>
-    </p:spTree>
-  </p:cSld>
-  <p:clrMapOvr>
-    <a:masterClrMapping/>
-  </p:clrMapOvr>
-</p:sld>
-</file>
-
-<file path=ppt/slides/slide30.xml><?xml version="1.0" encoding="utf-8"?>
+<file path=ppt/slides/slide24.xml><?xml version="1.0" encoding="utf-8"?>
 <p:sld xmlns:a="http://schemas.openxmlformats.org/drawingml/2006/main" xmlns:r="http://schemas.openxmlformats.org/officeDocument/2006/relationships" xmlns:p="http://schemas.openxmlformats.org/presentationml/2006/main">
   <p:cSld>
     <p:spTree>
@@ -15760,7 +14511,7 @@
 </p:sld>
 </file>
 
-<file path=ppt/slides/slide31.xml><?xml version="1.0" encoding="utf-8"?>
+<file path=ppt/slides/slide25.xml><?xml version="1.0" encoding="utf-8"?>
 <p:sld xmlns:a="http://schemas.openxmlformats.org/drawingml/2006/main" xmlns:r="http://schemas.openxmlformats.org/officeDocument/2006/relationships" xmlns:p="http://schemas.openxmlformats.org/presentationml/2006/main">
   <p:cSld>
     <p:spTree>
@@ -16056,7 +14807,7 @@
 </p:sld>
 </file>
 
-<file path=ppt/slides/slide32.xml><?xml version="1.0" encoding="utf-8"?>
+<file path=ppt/slides/slide26.xml><?xml version="1.0" encoding="utf-8"?>
 <p:sld xmlns:a="http://schemas.openxmlformats.org/drawingml/2006/main" xmlns:r="http://schemas.openxmlformats.org/officeDocument/2006/relationships" xmlns:p="http://schemas.openxmlformats.org/presentationml/2006/main">
   <p:cSld>
     <p:spTree>
@@ -16150,7 +14901,7 @@
 </p:sld>
 </file>
 
-<file path=ppt/slides/slide33.xml><?xml version="1.0" encoding="utf-8"?>
+<file path=ppt/slides/slide27.xml><?xml version="1.0" encoding="utf-8"?>
 <p:sld xmlns:a="http://schemas.openxmlformats.org/drawingml/2006/main" xmlns:r="http://schemas.openxmlformats.org/officeDocument/2006/relationships" xmlns:p="http://schemas.openxmlformats.org/presentationml/2006/main">
   <p:cSld>
     <p:spTree>
@@ -17206,7 +15957,7 @@
 </p:sld>
 </file>
 
-<file path=ppt/slides/slide34.xml><?xml version="1.0" encoding="utf-8"?>
+<file path=ppt/slides/slide28.xml><?xml version="1.0" encoding="utf-8"?>
 <p:sld xmlns:a="http://schemas.openxmlformats.org/drawingml/2006/main" xmlns:r="http://schemas.openxmlformats.org/officeDocument/2006/relationships" xmlns:p="http://schemas.openxmlformats.org/presentationml/2006/main">
   <p:cSld>
     <p:spTree>
@@ -17687,7 +16438,7 @@
 </p:sld>
 </file>
 
-<file path=ppt/slides/slide35.xml><?xml version="1.0" encoding="utf-8"?>
+<file path=ppt/slides/slide29.xml><?xml version="1.0" encoding="utf-8"?>
 <p:sld xmlns:a="http://schemas.openxmlformats.org/drawingml/2006/main" xmlns:r="http://schemas.openxmlformats.org/officeDocument/2006/relationships" xmlns:p="http://schemas.openxmlformats.org/presentationml/2006/main">
   <p:cSld>
     <p:spTree>
@@ -17976,7 +16727,314 @@
 </p:sld>
 </file>
 
-<file path=ppt/slides/slide36.xml><?xml version="1.0" encoding="utf-8"?>
+<file path=ppt/slides/slide3.xml><?xml version="1.0" encoding="utf-8"?>
+<p:sld xmlns:a="http://schemas.openxmlformats.org/drawingml/2006/main" xmlns:r="http://schemas.openxmlformats.org/officeDocument/2006/relationships" xmlns:p="http://schemas.openxmlformats.org/presentationml/2006/main">
+  <p:cSld>
+    <p:spTree>
+      <p:nvGrpSpPr>
+        <p:cNvPr id="1" name="Shape 71"/>
+        <p:cNvGrpSpPr/>
+        <p:nvPr/>
+      </p:nvGrpSpPr>
+      <p:grpSpPr>
+        <a:xfrm>
+          <a:off x="0" y="0"/>
+          <a:ext cx="0" cy="0"/>
+          <a:chOff x="0" y="0"/>
+          <a:chExt cx="0" cy="0"/>
+        </a:xfrm>
+      </p:grpSpPr>
+      <p:sp>
+        <p:nvSpPr>
+          <p:cNvPr id="72" name="Google Shape;72;p15"/>
+          <p:cNvSpPr txBox="1">
+            <a:spLocks noGrp="1"/>
+          </p:cNvSpPr>
+          <p:nvPr>
+            <p:ph type="title"/>
+          </p:nvPr>
+        </p:nvSpPr>
+        <p:spPr>
+          <a:xfrm>
+            <a:off x="311700" y="445025"/>
+            <a:ext cx="8520600" cy="572700"/>
+          </a:xfrm>
+          <a:prstGeom prst="rect">
+            <a:avLst/>
+          </a:prstGeom>
+        </p:spPr>
+        <p:txBody>
+          <a:bodyPr spcFirstLastPara="1" wrap="square" lIns="91425" tIns="91425" rIns="91425" bIns="91425" anchor="t" anchorCtr="0">
+            <a:noAutofit/>
+          </a:bodyPr>
+          <a:lstStyle/>
+          <a:p>
+            <a:pPr marL="457200" lvl="0" indent="-406400" algn="l" rtl="0">
+              <a:spcBef>
+                <a:spcPts val="0"/>
+              </a:spcBef>
+              <a:spcAft>
+                <a:spcPts val="0"/>
+              </a:spcAft>
+              <a:buSzPts val="2800"/>
+              <a:buAutoNum type="romanUcPeriod"/>
+            </a:pPr>
+            <a:r>
+              <a:rPr lang="en"/>
+              <a:t>Business Understanding</a:t>
+            </a:r>
+            <a:endParaRPr/>
+          </a:p>
+        </p:txBody>
+      </p:sp>
+      <p:sp>
+        <p:nvSpPr>
+          <p:cNvPr id="73" name="Google Shape;73;p15"/>
+          <p:cNvSpPr txBox="1">
+            <a:spLocks noGrp="1"/>
+          </p:cNvSpPr>
+          <p:nvPr>
+            <p:ph type="body" idx="1"/>
+          </p:nvPr>
+        </p:nvSpPr>
+        <p:spPr>
+          <a:xfrm>
+            <a:off x="311700" y="1152475"/>
+            <a:ext cx="8520600" cy="3416400"/>
+          </a:xfrm>
+          <a:prstGeom prst="rect">
+            <a:avLst/>
+          </a:prstGeom>
+        </p:spPr>
+        <p:txBody>
+          <a:bodyPr spcFirstLastPara="1" wrap="square" lIns="91425" tIns="91425" rIns="91425" bIns="91425" anchor="t" anchorCtr="0">
+            <a:noAutofit/>
+          </a:bodyPr>
+          <a:lstStyle/>
+          <a:p>
+            <a:pPr marL="457200" lvl="0" indent="-342900" algn="l" rtl="0">
+              <a:spcBef>
+                <a:spcPts val="0"/>
+              </a:spcBef>
+              <a:spcAft>
+                <a:spcPts val="0"/>
+              </a:spcAft>
+              <a:buClr>
+                <a:srgbClr val="000000"/>
+              </a:buClr>
+              <a:buSzPts val="1800"/>
+              <a:buChar char="●"/>
+            </a:pPr>
+            <a:r>
+              <a:rPr lang="en" dirty="0">
+                <a:solidFill>
+                  <a:srgbClr val="000000"/>
+                </a:solidFill>
+              </a:rPr>
+              <a:t>$78.5 Billion in losses from US Opioid Epidemic</a:t>
+            </a:r>
+            <a:endParaRPr dirty="0">
+              <a:solidFill>
+                <a:srgbClr val="000000"/>
+              </a:solidFill>
+            </a:endParaRPr>
+          </a:p>
+          <a:p>
+            <a:pPr marL="0" lvl="0" indent="0" algn="l" rtl="0">
+              <a:spcBef>
+                <a:spcPts val="1600"/>
+              </a:spcBef>
+              <a:spcAft>
+                <a:spcPts val="0"/>
+              </a:spcAft>
+              <a:buNone/>
+            </a:pPr>
+            <a:endParaRPr dirty="0">
+              <a:solidFill>
+                <a:srgbClr val="000000"/>
+              </a:solidFill>
+            </a:endParaRPr>
+          </a:p>
+          <a:p>
+            <a:pPr marL="457200" lvl="0" indent="-342900" algn="l" rtl="0">
+              <a:spcBef>
+                <a:spcPts val="1600"/>
+              </a:spcBef>
+              <a:spcAft>
+                <a:spcPts val="0"/>
+              </a:spcAft>
+              <a:buClr>
+                <a:srgbClr val="000000"/>
+              </a:buClr>
+              <a:buSzPts val="1800"/>
+              <a:buChar char="●"/>
+            </a:pPr>
+            <a:r>
+              <a:rPr lang="en" dirty="0">
+                <a:solidFill>
+                  <a:srgbClr val="000000"/>
+                </a:solidFill>
+              </a:rPr>
+              <a:t>$6.7 Billion Marijuana Sales since 2014 in CO</a:t>
+            </a:r>
+            <a:endParaRPr dirty="0">
+              <a:solidFill>
+                <a:srgbClr val="000000"/>
+              </a:solidFill>
+            </a:endParaRPr>
+          </a:p>
+          <a:p>
+            <a:pPr marL="0" lvl="0" indent="0" algn="l" rtl="0">
+              <a:spcBef>
+                <a:spcPts val="1600"/>
+              </a:spcBef>
+              <a:spcAft>
+                <a:spcPts val="0"/>
+              </a:spcAft>
+              <a:buNone/>
+            </a:pPr>
+            <a:endParaRPr dirty="0">
+              <a:solidFill>
+                <a:srgbClr val="000000"/>
+              </a:solidFill>
+            </a:endParaRPr>
+          </a:p>
+          <a:p>
+            <a:pPr marL="457200" lvl="0" indent="-342900" algn="l" rtl="0">
+              <a:lnSpc>
+                <a:spcPct val="100000"/>
+              </a:lnSpc>
+              <a:spcBef>
+                <a:spcPts val="1600"/>
+              </a:spcBef>
+              <a:spcAft>
+                <a:spcPts val="0"/>
+              </a:spcAft>
+              <a:buClr>
+                <a:srgbClr val="000000"/>
+              </a:buClr>
+              <a:buSzPts val="1800"/>
+              <a:buChar char="●"/>
+            </a:pPr>
+            <a:r>
+              <a:rPr lang="en" dirty="0">
+                <a:solidFill>
+                  <a:srgbClr val="000000"/>
+                </a:solidFill>
+              </a:rPr>
+              <a:t>What if TX had full marijuana legalization since 2018?</a:t>
+            </a:r>
+            <a:endParaRPr dirty="0">
+              <a:solidFill>
+                <a:srgbClr val="000000"/>
+              </a:solidFill>
+            </a:endParaRPr>
+          </a:p>
+          <a:p>
+            <a:pPr marL="457200" lvl="0" indent="0" algn="l" rtl="0">
+              <a:lnSpc>
+                <a:spcPct val="100000"/>
+              </a:lnSpc>
+              <a:spcBef>
+                <a:spcPts val="1600"/>
+              </a:spcBef>
+              <a:spcAft>
+                <a:spcPts val="0"/>
+              </a:spcAft>
+              <a:buNone/>
+            </a:pPr>
+            <a:endParaRPr sz="100" dirty="0">
+              <a:solidFill>
+                <a:srgbClr val="000000"/>
+              </a:solidFill>
+            </a:endParaRPr>
+          </a:p>
+          <a:p>
+            <a:pPr marL="914400" lvl="1" indent="-317500" algn="l" rtl="0">
+              <a:lnSpc>
+                <a:spcPct val="100000"/>
+              </a:lnSpc>
+              <a:spcBef>
+                <a:spcPts val="1600"/>
+              </a:spcBef>
+              <a:spcAft>
+                <a:spcPts val="0"/>
+              </a:spcAft>
+              <a:buClr>
+                <a:srgbClr val="000000"/>
+              </a:buClr>
+              <a:buSzPts val="1400"/>
+              <a:buChar char="○"/>
+            </a:pPr>
+            <a:r>
+              <a:rPr lang="en" dirty="0">
+                <a:solidFill>
+                  <a:srgbClr val="000000"/>
+                </a:solidFill>
+              </a:rPr>
+              <a:t>Both for medical &amp; recreational marijuana</a:t>
+            </a:r>
+            <a:endParaRPr dirty="0">
+              <a:solidFill>
+                <a:srgbClr val="000000"/>
+              </a:solidFill>
+            </a:endParaRPr>
+          </a:p>
+          <a:p>
+            <a:pPr marL="0" lvl="0" indent="0" algn="l" rtl="0">
+              <a:spcBef>
+                <a:spcPts val="1600"/>
+              </a:spcBef>
+              <a:spcAft>
+                <a:spcPts val="1600"/>
+              </a:spcAft>
+              <a:buNone/>
+            </a:pPr>
+            <a:endParaRPr dirty="0">
+              <a:solidFill>
+                <a:srgbClr val="000000"/>
+              </a:solidFill>
+            </a:endParaRPr>
+          </a:p>
+        </p:txBody>
+      </p:sp>
+      <p:pic>
+        <p:nvPicPr>
+          <p:cNvPr id="74" name="Google Shape;74;p15"/>
+          <p:cNvPicPr preferRelativeResize="0"/>
+          <p:nvPr/>
+        </p:nvPicPr>
+        <p:blipFill>
+          <a:blip r:embed="rId3">
+            <a:alphaModFix/>
+          </a:blip>
+          <a:stretch>
+            <a:fillRect/>
+          </a:stretch>
+        </p:blipFill>
+        <p:spPr>
+          <a:xfrm>
+            <a:off x="5845375" y="611475"/>
+            <a:ext cx="2986925" cy="1603300"/>
+          </a:xfrm>
+          <a:prstGeom prst="rect">
+            <a:avLst/>
+          </a:prstGeom>
+          <a:noFill/>
+          <a:ln>
+            <a:noFill/>
+          </a:ln>
+        </p:spPr>
+      </p:pic>
+    </p:spTree>
+  </p:cSld>
+  <p:clrMapOvr>
+    <a:masterClrMapping/>
+  </p:clrMapOvr>
+</p:sld>
+</file>
+
+<file path=ppt/slides/slide30.xml><?xml version="1.0" encoding="utf-8"?>
 <p:sld xmlns:a="http://schemas.openxmlformats.org/drawingml/2006/main" xmlns:r="http://schemas.openxmlformats.org/officeDocument/2006/relationships" xmlns:p="http://schemas.openxmlformats.org/presentationml/2006/main">
   <p:cSld>
     <p:spTree>
@@ -18071,7 +17129,7 @@
 </p:sld>
 </file>
 
-<file path=ppt/slides/slide37.xml><?xml version="1.0" encoding="utf-8"?>
+<file path=ppt/slides/slide31.xml><?xml version="1.0" encoding="utf-8"?>
 <p:sld xmlns:a="http://schemas.openxmlformats.org/drawingml/2006/main" xmlns:r="http://schemas.openxmlformats.org/officeDocument/2006/relationships" xmlns:p="http://schemas.openxmlformats.org/presentationml/2006/main">
   <p:cSld>
     <p:spTree>
@@ -18284,7 +17342,7 @@
 </p:sld>
 </file>
 
-<file path=ppt/slides/slide38.xml><?xml version="1.0" encoding="utf-8"?>
+<file path=ppt/slides/slide32.xml><?xml version="1.0" encoding="utf-8"?>
 <p:sld xmlns:a="http://schemas.openxmlformats.org/drawingml/2006/main" xmlns:r="http://schemas.openxmlformats.org/officeDocument/2006/relationships" xmlns:p="http://schemas.openxmlformats.org/presentationml/2006/main">
   <p:cSld>
     <p:spTree>
